--- a/TG1-Presentacion.pptx
+++ b/TG1-Presentacion.pptx
@@ -2,10 +2,10 @@
 <file path=ppt/presentation.xml><?xml version="1.0" encoding="utf-8"?>
 <p:presentation xmlns:a="http://schemas.openxmlformats.org/drawingml/2006/main" xmlns:r="http://schemas.openxmlformats.org/officeDocument/2006/relationships" xmlns:p="http://schemas.openxmlformats.org/presentationml/2006/main" saveSubsetFonts="1">
   <p:sldMasterIdLst>
-    <p:sldMasterId id="2147483745" r:id="rId1"/>
+    <p:sldMasterId id="2147483813" r:id="rId1"/>
   </p:sldMasterIdLst>
   <p:notesMasterIdLst>
-    <p:notesMasterId r:id="rId21"/>
+    <p:notesMasterId r:id="rId24"/>
   </p:notesMasterIdLst>
   <p:sldIdLst>
     <p:sldId id="256" r:id="rId2"/>
@@ -25,8 +25,11 @@
     <p:sldId id="273" r:id="rId16"/>
     <p:sldId id="274" r:id="rId17"/>
     <p:sldId id="275" r:id="rId18"/>
-    <p:sldId id="276" r:id="rId19"/>
-    <p:sldId id="277" r:id="rId20"/>
+    <p:sldId id="278" r:id="rId19"/>
+    <p:sldId id="279" r:id="rId20"/>
+    <p:sldId id="280" r:id="rId21"/>
+    <p:sldId id="276" r:id="rId22"/>
+    <p:sldId id="277" r:id="rId23"/>
   </p:sldIdLst>
   <p:sldSz cx="12192000" cy="6858000"/>
   <p:notesSz cx="6858000" cy="9144000"/>
@@ -125,6 +128,11 @@
       </a:defRPr>
     </a:lvl9pPr>
   </p:defaultTextStyle>
+  <p:extLst>
+    <p:ext uri="{EFAFB233-063F-42B5-8137-9DF3F51BA10A}">
+      <p15:sldGuideLst xmlns:p15="http://schemas.microsoft.com/office/powerpoint/2012/main"/>
+    </p:ext>
+  </p:extLst>
 </p:presentation>
 </file>
 
@@ -210,7 +218,7 @@
           <a:p>
             <a:fld id="{E60BF5A1-539A-4AC6-9323-E7F565294579}" type="datetimeFigureOut">
               <a:rPr lang="es-ES" smtClean="0"/>
-              <a:t>19/03/2017</a:t>
+              <a:t>20/03/2017</a:t>
             </a:fld>
             <a:endParaRPr lang="es-ES"/>
           </a:p>
@@ -305,7 +313,6 @@
               <a:rPr lang="es-ES"/>
               <a:t>Quinto nivel</a:t>
             </a:r>
-            <a:endParaRPr lang="es-ES"/>
           </a:p>
         </p:txBody>
       </p:sp>
@@ -1002,7 +1009,7 @@
           <a:p>
             <a:fld id="{D1E67BE4-7102-4D95-919D-278A54AE9189}" type="datetimeFigureOut">
               <a:rPr lang="es-ES" smtClean="0"/>
-              <a:t>19/03/2017</a:t>
+              <a:t>20/03/2017</a:t>
             </a:fld>
             <a:endParaRPr lang="es-ES"/>
           </a:p>
@@ -1140,7 +1147,7 @@
     </p:spTree>
     <p:extLst>
       <p:ext uri="{BB962C8B-B14F-4D97-AF65-F5344CB8AC3E}">
-        <p14:creationId xmlns:p14="http://schemas.microsoft.com/office/powerpoint/2010/main" val="3099004270"/>
+        <p14:creationId xmlns:p14="http://schemas.microsoft.com/office/powerpoint/2010/main" val="1314272725"/>
       </p:ext>
     </p:extLst>
   </p:cSld>
@@ -1340,7 +1347,7 @@
           <a:p>
             <a:fld id="{D1E67BE4-7102-4D95-919D-278A54AE9189}" type="datetimeFigureOut">
               <a:rPr lang="es-ES" smtClean="0"/>
-              <a:t>19/03/2017</a:t>
+              <a:t>20/03/2017</a:t>
             </a:fld>
             <a:endParaRPr lang="es-ES"/>
           </a:p>
@@ -1478,7 +1485,7 @@
     </p:spTree>
     <p:extLst>
       <p:ext uri="{BB962C8B-B14F-4D97-AF65-F5344CB8AC3E}">
-        <p14:creationId xmlns:p14="http://schemas.microsoft.com/office/powerpoint/2010/main" val="644958651"/>
+        <p14:creationId xmlns:p14="http://schemas.microsoft.com/office/powerpoint/2010/main" val="586752607"/>
       </p:ext>
     </p:extLst>
   </p:cSld>
@@ -1741,7 +1748,7 @@
           <a:p>
             <a:fld id="{D1E67BE4-7102-4D95-919D-278A54AE9189}" type="datetimeFigureOut">
               <a:rPr lang="es-ES" smtClean="0"/>
-              <a:t>19/03/2017</a:t>
+              <a:t>20/03/2017</a:t>
             </a:fld>
             <a:endParaRPr lang="es-ES"/>
           </a:p>
@@ -1955,7 +1962,7 @@
     </p:spTree>
     <p:extLst>
       <p:ext uri="{BB962C8B-B14F-4D97-AF65-F5344CB8AC3E}">
-        <p14:creationId xmlns:p14="http://schemas.microsoft.com/office/powerpoint/2010/main" val="4270070566"/>
+        <p14:creationId xmlns:p14="http://schemas.microsoft.com/office/powerpoint/2010/main" val="2138491884"/>
       </p:ext>
     </p:extLst>
   </p:cSld>
@@ -2077,7 +2084,7 @@
           <a:p>
             <a:fld id="{D1E67BE4-7102-4D95-919D-278A54AE9189}" type="datetimeFigureOut">
               <a:rPr lang="es-ES" smtClean="0"/>
-              <a:t>19/03/2017</a:t>
+              <a:t>20/03/2017</a:t>
             </a:fld>
             <a:endParaRPr lang="es-ES"/>
           </a:p>
@@ -2215,7 +2222,7 @@
     </p:spTree>
     <p:extLst>
       <p:ext uri="{BB962C8B-B14F-4D97-AF65-F5344CB8AC3E}">
-        <p14:creationId xmlns:p14="http://schemas.microsoft.com/office/powerpoint/2010/main" val="3048929009"/>
+        <p14:creationId xmlns:p14="http://schemas.microsoft.com/office/powerpoint/2010/main" val="2230834185"/>
       </p:ext>
     </p:extLst>
   </p:cSld>
@@ -2397,7 +2404,7 @@
           <a:p>
             <a:fld id="{D1E67BE4-7102-4D95-919D-278A54AE9189}" type="datetimeFigureOut">
               <a:rPr lang="es-ES" smtClean="0"/>
-              <a:t>19/03/2017</a:t>
+              <a:t>20/03/2017</a:t>
             </a:fld>
             <a:endParaRPr lang="es-ES"/>
           </a:p>
@@ -2611,7 +2618,7 @@
     </p:spTree>
     <p:extLst>
       <p:ext uri="{BB962C8B-B14F-4D97-AF65-F5344CB8AC3E}">
-        <p14:creationId xmlns:p14="http://schemas.microsoft.com/office/powerpoint/2010/main" val="682323972"/>
+        <p14:creationId xmlns:p14="http://schemas.microsoft.com/office/powerpoint/2010/main" val="314699799"/>
       </p:ext>
     </p:extLst>
   </p:cSld>
@@ -2793,7 +2800,7 @@
           <a:p>
             <a:fld id="{D1E67BE4-7102-4D95-919D-278A54AE9189}" type="datetimeFigureOut">
               <a:rPr lang="es-ES" smtClean="0"/>
-              <a:t>19/03/2017</a:t>
+              <a:t>20/03/2017</a:t>
             </a:fld>
             <a:endParaRPr lang="es-ES"/>
           </a:p>
@@ -2931,7 +2938,7 @@
     </p:spTree>
     <p:extLst>
       <p:ext uri="{BB962C8B-B14F-4D97-AF65-F5344CB8AC3E}">
-        <p14:creationId xmlns:p14="http://schemas.microsoft.com/office/powerpoint/2010/main" val="329660437"/>
+        <p14:creationId xmlns:p14="http://schemas.microsoft.com/office/powerpoint/2010/main" val="2732185462"/>
       </p:ext>
     </p:extLst>
   </p:cSld>
@@ -3050,7 +3057,7 @@
           <a:p>
             <a:fld id="{D1E67BE4-7102-4D95-919D-278A54AE9189}" type="datetimeFigureOut">
               <a:rPr lang="es-ES" smtClean="0"/>
-              <a:t>19/03/2017</a:t>
+              <a:t>20/03/2017</a:t>
             </a:fld>
             <a:endParaRPr lang="es-ES"/>
           </a:p>
@@ -3183,7 +3190,7 @@
     </p:spTree>
     <p:extLst>
       <p:ext uri="{BB962C8B-B14F-4D97-AF65-F5344CB8AC3E}">
-        <p14:creationId xmlns:p14="http://schemas.microsoft.com/office/powerpoint/2010/main" val="509965734"/>
+        <p14:creationId xmlns:p14="http://schemas.microsoft.com/office/powerpoint/2010/main" val="3622102142"/>
       </p:ext>
     </p:extLst>
   </p:cSld>
@@ -3312,7 +3319,7 @@
           <a:p>
             <a:fld id="{D1E67BE4-7102-4D95-919D-278A54AE9189}" type="datetimeFigureOut">
               <a:rPr lang="es-ES" smtClean="0"/>
-              <a:t>19/03/2017</a:t>
+              <a:t>20/03/2017</a:t>
             </a:fld>
             <a:endParaRPr lang="es-ES"/>
           </a:p>
@@ -3445,7 +3452,7 @@
     </p:spTree>
     <p:extLst>
       <p:ext uri="{BB962C8B-B14F-4D97-AF65-F5344CB8AC3E}">
-        <p14:creationId xmlns:p14="http://schemas.microsoft.com/office/powerpoint/2010/main" val="3238692542"/>
+        <p14:creationId xmlns:p14="http://schemas.microsoft.com/office/powerpoint/2010/main" val="3675517259"/>
       </p:ext>
     </p:extLst>
   </p:cSld>
@@ -3574,7 +3581,7 @@
           <a:p>
             <a:fld id="{D1E67BE4-7102-4D95-919D-278A54AE9189}" type="datetimeFigureOut">
               <a:rPr lang="es-ES" smtClean="0"/>
-              <a:t>19/03/2017</a:t>
+              <a:t>20/03/2017</a:t>
             </a:fld>
             <a:endParaRPr lang="es-ES"/>
           </a:p>
@@ -3707,7 +3714,7 @@
     </p:spTree>
     <p:extLst>
       <p:ext uri="{BB962C8B-B14F-4D97-AF65-F5344CB8AC3E}">
-        <p14:creationId xmlns:p14="http://schemas.microsoft.com/office/powerpoint/2010/main" val="1664064532"/>
+        <p14:creationId xmlns:p14="http://schemas.microsoft.com/office/powerpoint/2010/main" val="2327516511"/>
       </p:ext>
     </p:extLst>
   </p:cSld>
@@ -3903,7 +3910,7 @@
           <a:p>
             <a:fld id="{D1E67BE4-7102-4D95-919D-278A54AE9189}" type="datetimeFigureOut">
               <a:rPr lang="es-ES" smtClean="0"/>
-              <a:t>19/03/2017</a:t>
+              <a:t>20/03/2017</a:t>
             </a:fld>
             <a:endParaRPr lang="es-ES"/>
           </a:p>
@@ -4041,7 +4048,7 @@
     </p:spTree>
     <p:extLst>
       <p:ext uri="{BB962C8B-B14F-4D97-AF65-F5344CB8AC3E}">
-        <p14:creationId xmlns:p14="http://schemas.microsoft.com/office/powerpoint/2010/main" val="12577063"/>
+        <p14:creationId xmlns:p14="http://schemas.microsoft.com/office/powerpoint/2010/main" val="2784218522"/>
       </p:ext>
     </p:extLst>
   </p:cSld>
@@ -4226,7 +4233,7 @@
           <a:p>
             <a:fld id="{D1E67BE4-7102-4D95-919D-278A54AE9189}" type="datetimeFigureOut">
               <a:rPr lang="es-ES" smtClean="0"/>
-              <a:t>19/03/2017</a:t>
+              <a:t>20/03/2017</a:t>
             </a:fld>
             <a:endParaRPr lang="es-ES"/>
           </a:p>
@@ -4253,7 +4260,7 @@
       </p:sp>
       <p:sp>
         <p:nvSpPr>
-          <p:cNvPr id="12" name="Freeform 11"/>
+          <p:cNvPr id="10" name="Freeform 11"/>
           <p:cNvSpPr/>
           <p:nvPr/>
         </p:nvSpPr>
@@ -4335,7 +4342,7 @@
       </p:sp>
       <p:sp>
         <p:nvSpPr>
-          <p:cNvPr id="13" name="Slide Number Placeholder 5"/>
+          <p:cNvPr id="11" name="Slide Number Placeholder 5"/>
           <p:cNvSpPr>
             <a:spLocks noGrp="1"/>
           </p:cNvSpPr>
@@ -4364,7 +4371,7 @@
     </p:spTree>
     <p:extLst>
       <p:ext uri="{BB962C8B-B14F-4D97-AF65-F5344CB8AC3E}">
-        <p14:creationId xmlns:p14="http://schemas.microsoft.com/office/powerpoint/2010/main" val="2058904991"/>
+        <p14:creationId xmlns:p14="http://schemas.microsoft.com/office/powerpoint/2010/main" val="2877367251"/>
       </p:ext>
     </p:extLst>
   </p:cSld>
@@ -4683,7 +4690,7 @@
           <a:p>
             <a:fld id="{D1E67BE4-7102-4D95-919D-278A54AE9189}" type="datetimeFigureOut">
               <a:rPr lang="es-ES" smtClean="0"/>
-              <a:t>19/03/2017</a:t>
+              <a:t>20/03/2017</a:t>
             </a:fld>
             <a:endParaRPr lang="es-ES"/>
           </a:p>
@@ -4821,7 +4828,7 @@
     </p:spTree>
     <p:extLst>
       <p:ext uri="{BB962C8B-B14F-4D97-AF65-F5344CB8AC3E}">
-        <p14:creationId xmlns:p14="http://schemas.microsoft.com/office/powerpoint/2010/main" val="1728080165"/>
+        <p14:creationId xmlns:p14="http://schemas.microsoft.com/office/powerpoint/2010/main" val="1093499997"/>
       </p:ext>
     </p:extLst>
   </p:cSld>
@@ -4888,7 +4895,7 @@
           <a:p>
             <a:fld id="{D1E67BE4-7102-4D95-919D-278A54AE9189}" type="datetimeFigureOut">
               <a:rPr lang="es-ES" smtClean="0"/>
-              <a:t>19/03/2017</a:t>
+              <a:t>20/03/2017</a:t>
             </a:fld>
             <a:endParaRPr lang="es-ES"/>
           </a:p>
@@ -5021,7 +5028,7 @@
     </p:spTree>
     <p:extLst>
       <p:ext uri="{BB962C8B-B14F-4D97-AF65-F5344CB8AC3E}">
-        <p14:creationId xmlns:p14="http://schemas.microsoft.com/office/powerpoint/2010/main" val="1107509825"/>
+        <p14:creationId xmlns:p14="http://schemas.microsoft.com/office/powerpoint/2010/main" val="3416841295"/>
       </p:ext>
     </p:extLst>
   </p:cSld>
@@ -5065,7 +5072,7 @@
           <a:p>
             <a:fld id="{D1E67BE4-7102-4D95-919D-278A54AE9189}" type="datetimeFigureOut">
               <a:rPr lang="es-ES" smtClean="0"/>
-              <a:t>19/03/2017</a:t>
+              <a:t>20/03/2017</a:t>
             </a:fld>
             <a:endParaRPr lang="es-ES"/>
           </a:p>
@@ -5198,7 +5205,7 @@
     </p:spTree>
     <p:extLst>
       <p:ext uri="{BB962C8B-B14F-4D97-AF65-F5344CB8AC3E}">
-        <p14:creationId xmlns:p14="http://schemas.microsoft.com/office/powerpoint/2010/main" val="210030537"/>
+        <p14:creationId xmlns:p14="http://schemas.microsoft.com/office/powerpoint/2010/main" val="4156092294"/>
       </p:ext>
     </p:extLst>
   </p:cSld>
@@ -5398,7 +5405,7 @@
           <a:p>
             <a:fld id="{D1E67BE4-7102-4D95-919D-278A54AE9189}" type="datetimeFigureOut">
               <a:rPr lang="es-ES" smtClean="0"/>
-              <a:t>19/03/2017</a:t>
+              <a:t>20/03/2017</a:t>
             </a:fld>
             <a:endParaRPr lang="es-ES"/>
           </a:p>
@@ -5531,7 +5538,7 @@
     </p:spTree>
     <p:extLst>
       <p:ext uri="{BB962C8B-B14F-4D97-AF65-F5344CB8AC3E}">
-        <p14:creationId xmlns:p14="http://schemas.microsoft.com/office/powerpoint/2010/main" val="3338169541"/>
+        <p14:creationId xmlns:p14="http://schemas.microsoft.com/office/powerpoint/2010/main" val="2562295508"/>
       </p:ext>
     </p:extLst>
   </p:cSld>
@@ -5743,7 +5750,7 @@
           <a:p>
             <a:fld id="{D1E67BE4-7102-4D95-919D-278A54AE9189}" type="datetimeFigureOut">
               <a:rPr lang="es-ES" smtClean="0"/>
-              <a:t>19/03/2017</a:t>
+              <a:t>20/03/2017</a:t>
             </a:fld>
             <a:endParaRPr lang="es-ES"/>
           </a:p>
@@ -5881,7 +5888,7 @@
     </p:spTree>
     <p:extLst>
       <p:ext uri="{BB962C8B-B14F-4D97-AF65-F5344CB8AC3E}">
-        <p14:creationId xmlns:p14="http://schemas.microsoft.com/office/powerpoint/2010/main" val="3354368783"/>
+        <p14:creationId xmlns:p14="http://schemas.microsoft.com/office/powerpoint/2010/main" val="1653992635"/>
       </p:ext>
     </p:extLst>
   </p:cSld>
@@ -5895,7 +5902,7 @@
 <p:sldMaster xmlns:a="http://schemas.openxmlformats.org/drawingml/2006/main" xmlns:r="http://schemas.openxmlformats.org/officeDocument/2006/relationships" xmlns:p="http://schemas.openxmlformats.org/presentationml/2006/main">
   <p:cSld>
     <p:bg>
-      <p:bgRef idx="1002">
+      <p:bgRef idx="1003">
         <a:schemeClr val="bg2"/>
       </p:bgRef>
     </p:bg>
@@ -6793,10 +6800,10 @@
         </p:nvGrpSpPr>
         <p:grpSpPr>
           <a:xfrm>
-            <a:off x="27221" y="157"/>
-            <a:ext cx="2356674" cy="6853096"/>
-            <a:chOff x="6627813" y="195610"/>
-            <a:chExt cx="1952625" cy="5678141"/>
+            <a:off x="27221" y="-786"/>
+            <a:ext cx="2356674" cy="6854039"/>
+            <a:chOff x="6627813" y="194833"/>
+            <a:chExt cx="1952625" cy="5678918"/>
           </a:xfrm>
         </p:grpSpPr>
         <p:sp>
@@ -6807,7 +6814,7 @@
           </p:nvSpPr>
           <p:spPr bwMode="auto">
             <a:xfrm>
-              <a:off x="6627813" y="195610"/>
+              <a:off x="6627813" y="194833"/>
               <a:ext cx="409575" cy="3646488"/>
             </a:xfrm>
             <a:custGeom>
@@ -7860,7 +7867,7 @@
           <a:p>
             <a:fld id="{D1E67BE4-7102-4D95-919D-278A54AE9189}" type="datetimeFigureOut">
               <a:rPr lang="es-ES" smtClean="0"/>
-              <a:t>19/03/2017</a:t>
+              <a:t>20/03/2017</a:t>
             </a:fld>
             <a:endParaRPr lang="es-ES"/>
           </a:p>
@@ -7945,28 +7952,28 @@
     </p:spTree>
     <p:extLst>
       <p:ext uri="{BB962C8B-B14F-4D97-AF65-F5344CB8AC3E}">
-        <p14:creationId xmlns:p14="http://schemas.microsoft.com/office/powerpoint/2010/main" val="370582805"/>
+        <p14:creationId xmlns:p14="http://schemas.microsoft.com/office/powerpoint/2010/main" val="2044681948"/>
       </p:ext>
     </p:extLst>
   </p:cSld>
   <p:clrMap bg1="lt1" tx1="dk1" bg2="lt2" tx2="dk2" accent1="accent1" accent2="accent2" accent3="accent3" accent4="accent4" accent5="accent5" accent6="accent6" hlink="hlink" folHlink="folHlink"/>
   <p:sldLayoutIdLst>
-    <p:sldLayoutId id="2147483746" r:id="rId1"/>
-    <p:sldLayoutId id="2147483747" r:id="rId2"/>
-    <p:sldLayoutId id="2147483748" r:id="rId3"/>
-    <p:sldLayoutId id="2147483749" r:id="rId4"/>
-    <p:sldLayoutId id="2147483750" r:id="rId5"/>
-    <p:sldLayoutId id="2147483751" r:id="rId6"/>
-    <p:sldLayoutId id="2147483752" r:id="rId7"/>
-    <p:sldLayoutId id="2147483753" r:id="rId8"/>
-    <p:sldLayoutId id="2147483754" r:id="rId9"/>
-    <p:sldLayoutId id="2147483755" r:id="rId10"/>
-    <p:sldLayoutId id="2147483756" r:id="rId11"/>
-    <p:sldLayoutId id="2147483757" r:id="rId12"/>
-    <p:sldLayoutId id="2147483758" r:id="rId13"/>
-    <p:sldLayoutId id="2147483759" r:id="rId14"/>
-    <p:sldLayoutId id="2147483760" r:id="rId15"/>
-    <p:sldLayoutId id="2147483761" r:id="rId16"/>
+    <p:sldLayoutId id="2147483814" r:id="rId1"/>
+    <p:sldLayoutId id="2147483815" r:id="rId2"/>
+    <p:sldLayoutId id="2147483816" r:id="rId3"/>
+    <p:sldLayoutId id="2147483817" r:id="rId4"/>
+    <p:sldLayoutId id="2147483818" r:id="rId5"/>
+    <p:sldLayoutId id="2147483819" r:id="rId6"/>
+    <p:sldLayoutId id="2147483820" r:id="rId7"/>
+    <p:sldLayoutId id="2147483821" r:id="rId8"/>
+    <p:sldLayoutId id="2147483822" r:id="rId9"/>
+    <p:sldLayoutId id="2147483823" r:id="rId10"/>
+    <p:sldLayoutId id="2147483824" r:id="rId11"/>
+    <p:sldLayoutId id="2147483825" r:id="rId12"/>
+    <p:sldLayoutId id="2147483826" r:id="rId13"/>
+    <p:sldLayoutId id="2147483827" r:id="rId14"/>
+    <p:sldLayoutId id="2147483828" r:id="rId15"/>
+    <p:sldLayoutId id="2147483829" r:id="rId16"/>
   </p:sldLayoutIdLst>
   <p:txStyles>
     <p:titleStyle>
@@ -7977,8 +7984,9 @@
         <a:buNone/>
         <a:defRPr sz="3600" kern="1200">
           <a:solidFill>
-            <a:schemeClr val="accent2">
-              <a:lumMod val="75000"/>
+            <a:schemeClr val="tx1">
+              <a:lumMod val="85000"/>
+              <a:lumOff val="15000"/>
             </a:schemeClr>
           </a:solidFill>
           <a:latin typeface="+mj-lt"/>
@@ -8545,15 +8553,48 @@
       </p:grpSpPr>
       <p:sp>
         <p:nvSpPr>
-          <p:cNvPr id="2" name="Título 1"/>
-          <p:cNvSpPr>
-            <a:spLocks noGrp="1"/>
-          </p:cNvSpPr>
-          <p:nvPr>
-            <p:ph type="title"/>
-          </p:nvPr>
-        </p:nvSpPr>
-        <p:spPr/>
+          <p:cNvPr id="4" name="Marcador de texto 3"/>
+          <p:cNvSpPr>
+            <a:spLocks noGrp="1"/>
+          </p:cNvSpPr>
+          <p:nvPr>
+            <p:ph type="body" idx="1"/>
+          </p:nvPr>
+        </p:nvSpPr>
+        <p:spPr>
+          <a:xfrm>
+            <a:off x="2939373" y="1465098"/>
+            <a:ext cx="3992732" cy="576262"/>
+          </a:xfrm>
+        </p:spPr>
+        <p:txBody>
+          <a:bodyPr/>
+          <a:lstStyle/>
+          <a:p>
+            <a:r>
+              <a:rPr lang="es-ES" b="1" u="sng" dirty="0" err="1"/>
+              <a:t>OpenWebinars</a:t>
+            </a:r>
+            <a:endParaRPr lang="es-ES" b="1" u="sng" dirty="0"/>
+          </a:p>
+        </p:txBody>
+      </p:sp>
+      <p:sp>
+        <p:nvSpPr>
+          <p:cNvPr id="3" name="Marcador de contenido 2"/>
+          <p:cNvSpPr>
+            <a:spLocks noGrp="1"/>
+          </p:cNvSpPr>
+          <p:nvPr>
+            <p:ph sz="half" idx="2"/>
+          </p:nvPr>
+        </p:nvSpPr>
+        <p:spPr>
+          <a:xfrm>
+            <a:off x="2589212" y="2170019"/>
+            <a:ext cx="4342893" cy="3354060"/>
+          </a:xfrm>
+        </p:spPr>
         <p:txBody>
           <a:bodyPr>
             <a:normAutofit/>
@@ -8561,46 +8602,138 @@
           <a:lstStyle/>
           <a:p>
             <a:r>
-              <a:rPr lang="es-ES" sz="3200" dirty="0"/>
-              <a:t>OPENVZ</a:t>
-            </a:r>
-          </a:p>
-        </p:txBody>
-      </p:sp>
-      <p:sp>
-        <p:nvSpPr>
-          <p:cNvPr id="4" name="Marcador de texto 3"/>
-          <p:cNvSpPr>
-            <a:spLocks noGrp="1"/>
-          </p:cNvSpPr>
-          <p:nvPr>
-            <p:ph type="body" idx="1"/>
-          </p:nvPr>
-        </p:nvSpPr>
-        <p:spPr/>
+              <a:rPr lang="es-ES" sz="1600" dirty="0">
+                <a:solidFill>
+                  <a:schemeClr val="tx1"/>
+                </a:solidFill>
+              </a:rPr>
+              <a:t>Reuniones online</a:t>
+            </a:r>
+          </a:p>
+          <a:p>
+            <a:endParaRPr lang="es-ES" sz="1600" dirty="0">
+              <a:solidFill>
+                <a:schemeClr val="tx1"/>
+              </a:solidFill>
+            </a:endParaRPr>
+          </a:p>
+          <a:p>
+            <a:r>
+              <a:rPr lang="es-ES" sz="1600" dirty="0">
+                <a:solidFill>
+                  <a:schemeClr val="tx1"/>
+                </a:solidFill>
+              </a:rPr>
+              <a:t>Virtualización </a:t>
+            </a:r>
+            <a:r>
+              <a:rPr lang="es-ES" sz="1600" dirty="0" err="1">
+                <a:solidFill>
+                  <a:schemeClr val="tx1"/>
+                </a:solidFill>
+              </a:rPr>
+              <a:t>Proxmox</a:t>
+            </a:r>
+            <a:r>
+              <a:rPr lang="es-ES" sz="1600" dirty="0">
+                <a:solidFill>
+                  <a:schemeClr val="tx1"/>
+                </a:solidFill>
+              </a:rPr>
+              <a:t>, KVM,</a:t>
+            </a:r>
+          </a:p>
+          <a:p>
+            <a:pPr marL="0" indent="0">
+              <a:buNone/>
+            </a:pPr>
+            <a:r>
+              <a:rPr lang="es-ES" sz="1600" dirty="0">
+                <a:solidFill>
+                  <a:schemeClr val="tx1"/>
+                </a:solidFill>
+              </a:rPr>
+              <a:t>      </a:t>
+            </a:r>
+            <a:r>
+              <a:rPr lang="es-ES" sz="1600" dirty="0" err="1">
+                <a:solidFill>
+                  <a:schemeClr val="tx1"/>
+                </a:solidFill>
+              </a:rPr>
+              <a:t>OpenVZ</a:t>
+            </a:r>
+            <a:r>
+              <a:rPr lang="es-ES" sz="1600" dirty="0">
+                <a:solidFill>
+                  <a:schemeClr val="tx1"/>
+                </a:solidFill>
+              </a:rPr>
+              <a:t>	</a:t>
+            </a:r>
+          </a:p>
+          <a:p>
+            <a:endParaRPr lang="es-ES" sz="1600" dirty="0">
+              <a:solidFill>
+                <a:schemeClr val="tx1"/>
+              </a:solidFill>
+            </a:endParaRPr>
+          </a:p>
+          <a:p>
+            <a:r>
+              <a:rPr lang="es-ES" sz="1600" dirty="0">
+                <a:solidFill>
+                  <a:schemeClr val="tx1"/>
+                </a:solidFill>
+              </a:rPr>
+              <a:t>150€</a:t>
+            </a:r>
+          </a:p>
+        </p:txBody>
+      </p:sp>
+      <p:sp>
+        <p:nvSpPr>
+          <p:cNvPr id="5" name="Marcador de texto 4"/>
+          <p:cNvSpPr>
+            <a:spLocks noGrp="1"/>
+          </p:cNvSpPr>
+          <p:nvPr>
+            <p:ph type="body" sz="quarter" idx="3"/>
+          </p:nvPr>
+        </p:nvSpPr>
+        <p:spPr>
+          <a:xfrm>
+            <a:off x="7506630" y="1422357"/>
+            <a:ext cx="3999001" cy="576262"/>
+          </a:xfrm>
+        </p:spPr>
         <p:txBody>
           <a:bodyPr/>
           <a:lstStyle/>
           <a:p>
             <a:r>
-              <a:rPr lang="es-ES" b="1" u="sng" dirty="0" err="1"/>
-              <a:t>OpenWebinars</a:t>
-            </a:r>
-            <a:endParaRPr lang="es-ES" b="1" u="sng" dirty="0"/>
-          </a:p>
-        </p:txBody>
-      </p:sp>
-      <p:sp>
-        <p:nvSpPr>
-          <p:cNvPr id="3" name="Marcador de contenido 2"/>
-          <p:cNvSpPr>
-            <a:spLocks noGrp="1"/>
-          </p:cNvSpPr>
-          <p:nvPr>
-            <p:ph sz="half" idx="2"/>
-          </p:nvPr>
-        </p:nvSpPr>
-        <p:spPr/>
+              <a:rPr lang="es-ES" b="1" u="sng" dirty="0"/>
+              <a:t>EMAGISTER</a:t>
+            </a:r>
+          </a:p>
+        </p:txBody>
+      </p:sp>
+      <p:sp>
+        <p:nvSpPr>
+          <p:cNvPr id="6" name="Marcador de contenido 5"/>
+          <p:cNvSpPr>
+            <a:spLocks noGrp="1"/>
+          </p:cNvSpPr>
+          <p:nvPr>
+            <p:ph sz="quarter" idx="4"/>
+          </p:nvPr>
+        </p:nvSpPr>
+        <p:spPr>
+          <a:xfrm>
+            <a:off x="7010434" y="2041360"/>
+            <a:ext cx="4338674" cy="3354060"/>
+          </a:xfrm>
+        </p:spPr>
         <p:txBody>
           <a:bodyPr>
             <a:normAutofit/>
@@ -8608,172 +8741,43 @@
           <a:lstStyle/>
           <a:p>
             <a:r>
-              <a:rPr lang="es-ES" sz="1600" dirty="0">
-                <a:solidFill>
-                  <a:srgbClr val="000000"/>
-                </a:solidFill>
-              </a:rPr>
-              <a:t>Reuniones online</a:t>
-            </a:r>
-          </a:p>
-          <a:p>
-            <a:endParaRPr lang="es-ES" sz="1600" dirty="0">
-              <a:solidFill>
-                <a:srgbClr val="000000"/>
-              </a:solidFill>
-            </a:endParaRPr>
-          </a:p>
-          <a:p>
-            <a:r>
-              <a:rPr lang="es-ES" sz="1600" dirty="0">
-                <a:solidFill>
-                  <a:srgbClr val="000000"/>
-                </a:solidFill>
-              </a:rPr>
-              <a:t>Virtualización </a:t>
-            </a:r>
-            <a:r>
-              <a:rPr lang="es-ES" sz="1600" dirty="0" err="1">
-                <a:solidFill>
-                  <a:srgbClr val="000000"/>
-                </a:solidFill>
-              </a:rPr>
-              <a:t>Proxmox</a:t>
-            </a:r>
-            <a:r>
-              <a:rPr lang="es-ES" sz="1600" dirty="0">
-                <a:solidFill>
-                  <a:srgbClr val="000000"/>
-                </a:solidFill>
-              </a:rPr>
-              <a:t>, KVM,</a:t>
-            </a:r>
-          </a:p>
-          <a:p>
-            <a:pPr marL="0" indent="0">
-              <a:buNone/>
-            </a:pPr>
-            <a:r>
-              <a:rPr lang="es-ES" sz="1600" dirty="0">
-                <a:solidFill>
-                  <a:srgbClr val="000000"/>
-                </a:solidFill>
-              </a:rPr>
-              <a:t>      </a:t>
-            </a:r>
-            <a:r>
-              <a:rPr lang="es-ES" sz="1600" dirty="0" err="1">
-                <a:solidFill>
-                  <a:srgbClr val="000000"/>
-                </a:solidFill>
-              </a:rPr>
-              <a:t>OpenVZ</a:t>
-            </a:r>
-            <a:r>
-              <a:rPr lang="es-ES" sz="1600" dirty="0">
-                <a:solidFill>
-                  <a:srgbClr val="000000"/>
-                </a:solidFill>
-              </a:rPr>
-              <a:t>	</a:t>
-            </a:r>
-          </a:p>
-          <a:p>
-            <a:endParaRPr lang="es-ES" sz="1600" dirty="0">
-              <a:solidFill>
-                <a:srgbClr val="000000"/>
-              </a:solidFill>
-            </a:endParaRPr>
-          </a:p>
-          <a:p>
-            <a:r>
-              <a:rPr lang="es-ES" sz="1600" dirty="0">
-                <a:solidFill>
-                  <a:srgbClr val="000000"/>
-                </a:solidFill>
-              </a:rPr>
-              <a:t>150€</a:t>
-            </a:r>
-          </a:p>
-        </p:txBody>
-      </p:sp>
-      <p:sp>
-        <p:nvSpPr>
-          <p:cNvPr id="5" name="Marcador de texto 4"/>
-          <p:cNvSpPr>
-            <a:spLocks noGrp="1"/>
-          </p:cNvSpPr>
-          <p:nvPr>
-            <p:ph type="body" sz="quarter" idx="3"/>
-          </p:nvPr>
-        </p:nvSpPr>
-        <p:spPr/>
-        <p:txBody>
-          <a:bodyPr/>
-          <a:lstStyle/>
-          <a:p>
-            <a:r>
-              <a:rPr lang="es-ES" b="1" u="sng" dirty="0"/>
-              <a:t>EMAGISTER</a:t>
-            </a:r>
-          </a:p>
-        </p:txBody>
-      </p:sp>
-      <p:sp>
-        <p:nvSpPr>
-          <p:cNvPr id="6" name="Marcador de contenido 5"/>
-          <p:cNvSpPr>
-            <a:spLocks noGrp="1"/>
-          </p:cNvSpPr>
-          <p:nvPr>
-            <p:ph sz="quarter" idx="4"/>
-          </p:nvPr>
-        </p:nvSpPr>
-        <p:spPr/>
-        <p:txBody>
-          <a:bodyPr>
-            <a:normAutofit lnSpcReduction="10000"/>
-          </a:bodyPr>
-          <a:lstStyle/>
-          <a:p>
-            <a:r>
-              <a:rPr lang="es-ES" dirty="0"/>
+              <a:rPr lang="es-ES" sz="1600" dirty="0"/>
               <a:t>Especialistas en sistemas LINUX</a:t>
             </a:r>
           </a:p>
           <a:p>
-            <a:endParaRPr lang="es-ES" dirty="0"/>
-          </a:p>
-          <a:p>
-            <a:r>
-              <a:rPr lang="es-ES" dirty="0"/>
+            <a:endParaRPr lang="es-ES" sz="1600" dirty="0"/>
+          </a:p>
+          <a:p>
+            <a:r>
+              <a:rPr lang="es-ES" sz="1600" dirty="0"/>
               <a:t>Presencial</a:t>
             </a:r>
           </a:p>
           <a:p>
-            <a:endParaRPr lang="es-ES" dirty="0"/>
-          </a:p>
-          <a:p>
-            <a:r>
-              <a:rPr lang="es-ES" dirty="0"/>
+            <a:endParaRPr lang="es-ES" sz="1600" dirty="0"/>
+          </a:p>
+          <a:p>
+            <a:r>
+              <a:rPr lang="es-ES" sz="1600" dirty="0"/>
               <a:t>Gijón, Oviedo y Avilés</a:t>
             </a:r>
           </a:p>
           <a:p>
-            <a:endParaRPr lang="es-ES" dirty="0"/>
-          </a:p>
-          <a:p>
-            <a:r>
-              <a:rPr lang="es-ES" dirty="0"/>
+            <a:endParaRPr lang="es-ES" sz="1600" dirty="0"/>
+          </a:p>
+          <a:p>
+            <a:r>
+              <a:rPr lang="es-ES" sz="1600" dirty="0"/>
               <a:t>700 horas</a:t>
             </a:r>
           </a:p>
           <a:p>
-            <a:endParaRPr lang="es-ES" dirty="0"/>
-          </a:p>
-          <a:p>
-            <a:r>
-              <a:rPr lang="es-ES" dirty="0"/>
+            <a:endParaRPr lang="es-ES" sz="1600" dirty="0"/>
+          </a:p>
+          <a:p>
+            <a:r>
+              <a:rPr lang="es-ES" sz="1600" dirty="0"/>
               <a:t>Precio a consultar</a:t>
             </a:r>
           </a:p>
@@ -8811,7 +8815,7 @@
       </p:cxnSp>
       <p:pic>
         <p:nvPicPr>
-          <p:cNvPr id="5122" name="Picture 2" descr="Resultado de imagen de open vz"/>
+          <p:cNvPr id="11" name="Picture 2" descr="Resultado de imagen de open vz"/>
           <p:cNvPicPr>
             <a:picLocks noChangeAspect="1" noChangeArrowheads="1"/>
           </p:cNvPicPr>
@@ -8832,13 +8836,113 @@
         </p:blipFill>
         <p:spPr bwMode="auto">
           <a:xfrm>
-            <a:off x="7166957" y="339505"/>
+            <a:off x="1917281" y="292775"/>
             <a:ext cx="4113264" cy="1043664"/>
           </a:xfrm>
           <a:prstGeom prst="rect">
             <a:avLst/>
           </a:prstGeom>
           <a:noFill/>
+          <a:extLst>
+            <a:ext uri="{909E8E84-426E-40DD-AFC4-6F175D3DCCD1}">
+              <a14:hiddenFill xmlns:a14="http://schemas.microsoft.com/office/drawing/2010/main">
+                <a:solidFill>
+                  <a:srgbClr val="FFFFFF"/>
+                </a:solidFill>
+              </a14:hiddenFill>
+            </a:ext>
+          </a:extLst>
+        </p:spPr>
+      </p:pic>
+      <p:pic>
+        <p:nvPicPr>
+          <p:cNvPr id="5128" name="Picture 8" descr="Resultado de imagen de OpenWebinars"/>
+          <p:cNvPicPr>
+            <a:picLocks noChangeAspect="1" noChangeArrowheads="1"/>
+          </p:cNvPicPr>
+          <p:nvPr/>
+        </p:nvPicPr>
+        <p:blipFill>
+          <a:blip r:embed="rId4">
+            <a:extLst>
+              <a:ext uri="{28A0092B-C50C-407E-A947-70E740481C1C}">
+                <a14:useLocalDpi xmlns:a14="http://schemas.microsoft.com/office/drawing/2010/main" val="0"/>
+              </a:ext>
+            </a:extLst>
+          </a:blip>
+          <a:srcRect/>
+          <a:stretch>
+            <a:fillRect/>
+          </a:stretch>
+        </p:blipFill>
+        <p:spPr bwMode="auto">
+          <a:xfrm>
+            <a:off x="3441235" y="4905486"/>
+            <a:ext cx="1494504" cy="1494504"/>
+          </a:xfrm>
+          <a:prstGeom prst="rect">
+            <a:avLst/>
+          </a:prstGeom>
+          <a:ln>
+            <a:noFill/>
+          </a:ln>
+          <a:effectLst>
+            <a:outerShdw blurRad="292100" dist="139700" dir="2700000" algn="tl" rotWithShape="0">
+              <a:srgbClr val="333333">
+                <a:alpha val="65000"/>
+              </a:srgbClr>
+            </a:outerShdw>
+          </a:effectLst>
+          <a:extLst>
+            <a:ext uri="{909E8E84-426E-40DD-AFC4-6F175D3DCCD1}">
+              <a14:hiddenFill xmlns:a14="http://schemas.microsoft.com/office/drawing/2010/main">
+                <a:solidFill>
+                  <a:srgbClr val="FFFFFF"/>
+                </a:solidFill>
+              </a14:hiddenFill>
+            </a:ext>
+          </a:extLst>
+        </p:spPr>
+      </p:pic>
+      <p:pic>
+        <p:nvPicPr>
+          <p:cNvPr id="5132" name="Picture 12" descr="Resultado de imagen de EMAGISTER"/>
+          <p:cNvPicPr>
+            <a:picLocks noChangeAspect="1" noChangeArrowheads="1"/>
+          </p:cNvPicPr>
+          <p:nvPr/>
+        </p:nvPicPr>
+        <p:blipFill>
+          <a:blip r:embed="rId5">
+            <a:extLst>
+              <a:ext uri="{28A0092B-C50C-407E-A947-70E740481C1C}">
+                <a14:useLocalDpi xmlns:a14="http://schemas.microsoft.com/office/drawing/2010/main" val="0"/>
+              </a:ext>
+            </a:extLst>
+          </a:blip>
+          <a:srcRect/>
+          <a:stretch>
+            <a:fillRect/>
+          </a:stretch>
+        </p:blipFill>
+        <p:spPr bwMode="auto">
+          <a:xfrm>
+            <a:off x="8292099" y="5524079"/>
+            <a:ext cx="2231450" cy="831273"/>
+          </a:xfrm>
+          <a:prstGeom prst="rect">
+            <a:avLst/>
+          </a:prstGeom>
+          <a:ln>
+            <a:noFill/>
+          </a:ln>
+          <a:effectLst>
+            <a:outerShdw blurRad="292100" dist="139700" dir="2700000" algn="tl" rotWithShape="0">
+              <a:srgbClr val="333333">
+                <a:alpha val="65000"/>
+              </a:srgbClr>
+            </a:outerShdw>
+          </a:effectLst>
           <a:extLst>
             <a:ext uri="{909E8E84-426E-40DD-AFC4-6F175D3DCCD1}">
               <a14:hiddenFill xmlns:a14="http://schemas.microsoft.com/office/drawing/2010/main">
@@ -8914,7 +9018,12 @@
             <p:ph type="body" idx="1"/>
           </p:nvPr>
         </p:nvSpPr>
-        <p:spPr/>
+        <p:spPr>
+          <a:xfrm>
+            <a:off x="2764292" y="1491791"/>
+            <a:ext cx="3992732" cy="576262"/>
+          </a:xfrm>
+        </p:spPr>
         <p:txBody>
           <a:bodyPr/>
           <a:lstStyle/>
@@ -8937,7 +9046,12 @@
             <p:ph sz="half" idx="2"/>
           </p:nvPr>
         </p:nvSpPr>
-        <p:spPr/>
+        <p:spPr>
+          <a:xfrm>
+            <a:off x="2599553" y="2158046"/>
+            <a:ext cx="4342893" cy="3354060"/>
+          </a:xfrm>
+        </p:spPr>
         <p:txBody>
           <a:bodyPr>
             <a:normAutofit/>
@@ -8947,7 +9061,7 @@
             <a:r>
               <a:rPr lang="es-ES" sz="1600" dirty="0">
                 <a:solidFill>
-                  <a:srgbClr val="000000"/>
+                  <a:schemeClr val="tx1"/>
                 </a:solidFill>
               </a:rPr>
               <a:t>A través de videos </a:t>
@@ -8956,7 +9070,7 @@
           <a:p>
             <a:endParaRPr lang="es-ES" sz="1600" dirty="0">
               <a:solidFill>
-                <a:srgbClr val="000000"/>
+                <a:schemeClr val="tx1"/>
               </a:solidFill>
             </a:endParaRPr>
           </a:p>
@@ -8964,7 +9078,7 @@
             <a:r>
               <a:rPr lang="es-ES" sz="1600" dirty="0">
                 <a:solidFill>
-                  <a:srgbClr val="000000"/>
+                  <a:schemeClr val="tx1"/>
                 </a:solidFill>
               </a:rPr>
               <a:t>Uso principal de </a:t>
@@ -8972,32 +9086,40 @@
             <a:r>
               <a:rPr lang="es-ES" sz="1600" dirty="0" err="1">
                 <a:solidFill>
-                  <a:srgbClr val="000000"/>
+                  <a:schemeClr val="tx1"/>
                 </a:solidFill>
               </a:rPr>
               <a:t>Docker</a:t>
             </a:r>
             <a:endParaRPr lang="es-ES" sz="1600" dirty="0">
               <a:solidFill>
-                <a:srgbClr val="000000"/>
+                <a:schemeClr val="tx1"/>
               </a:solidFill>
             </a:endParaRPr>
           </a:p>
           <a:p>
             <a:endParaRPr lang="es-ES" sz="1600" dirty="0">
               <a:solidFill>
-                <a:srgbClr val="000000"/>
+                <a:schemeClr val="tx1"/>
               </a:solidFill>
             </a:endParaRPr>
           </a:p>
           <a:p>
             <a:r>
+              <a:rPr lang="es-ES" sz="1600" dirty="0" err="1">
+                <a:solidFill>
+                  <a:schemeClr val="tx1"/>
+                </a:solidFill>
+              </a:rPr>
+              <a:t>Curvso</a:t>
+            </a:r>
+            <a:r>
               <a:rPr lang="es-ES" sz="1600" dirty="0">
                 <a:solidFill>
-                  <a:srgbClr val="000000"/>
+                  <a:schemeClr val="tx1"/>
                 </a:solidFill>
               </a:rPr>
-              <a:t>Curso completo</a:t>
+              <a:t> completo</a:t>
             </a:r>
           </a:p>
         </p:txBody>
@@ -9012,7 +9134,12 @@
             <p:ph type="body" sz="quarter" idx="3"/>
           </p:nvPr>
         </p:nvSpPr>
-        <p:spPr/>
+        <p:spPr>
+          <a:xfrm>
+            <a:off x="7282266" y="1491508"/>
+            <a:ext cx="3999001" cy="576262"/>
+          </a:xfrm>
+        </p:spPr>
         <p:txBody>
           <a:bodyPr/>
           <a:lstStyle/>
@@ -9035,7 +9162,12 @@
             <p:ph sz="quarter" idx="4"/>
           </p:nvPr>
         </p:nvSpPr>
-        <p:spPr/>
+        <p:spPr>
+          <a:xfrm>
+            <a:off x="6971078" y="2158046"/>
+            <a:ext cx="4338674" cy="3354060"/>
+          </a:xfrm>
+        </p:spPr>
         <p:txBody>
           <a:bodyPr/>
           <a:lstStyle/>
@@ -9112,6 +9244,106 @@
           </a:fontRef>
         </p:style>
       </p:cxnSp>
+      <p:pic>
+        <p:nvPicPr>
+          <p:cNvPr id="2050" name="Picture 2" descr="Resultado de imagen de ExaByteInformatica"/>
+          <p:cNvPicPr>
+            <a:picLocks noChangeAspect="1" noChangeArrowheads="1"/>
+          </p:cNvPicPr>
+          <p:nvPr/>
+        </p:nvPicPr>
+        <p:blipFill>
+          <a:blip r:embed="rId2">
+            <a:extLst>
+              <a:ext uri="{28A0092B-C50C-407E-A947-70E740481C1C}">
+                <a14:useLocalDpi xmlns:a14="http://schemas.microsoft.com/office/drawing/2010/main" val="0"/>
+              </a:ext>
+            </a:extLst>
+          </a:blip>
+          <a:srcRect/>
+          <a:stretch>
+            <a:fillRect/>
+          </a:stretch>
+        </p:blipFill>
+        <p:spPr bwMode="auto">
+          <a:xfrm>
+            <a:off x="3038168" y="5383185"/>
+            <a:ext cx="2471334" cy="756531"/>
+          </a:xfrm>
+          <a:prstGeom prst="rect">
+            <a:avLst/>
+          </a:prstGeom>
+          <a:ln>
+            <a:noFill/>
+          </a:ln>
+          <a:effectLst>
+            <a:outerShdw blurRad="292100" dist="139700" dir="2700000" algn="tl" rotWithShape="0">
+              <a:srgbClr val="333333">
+                <a:alpha val="65000"/>
+              </a:srgbClr>
+            </a:outerShdw>
+          </a:effectLst>
+          <a:extLst>
+            <a:ext uri="{909E8E84-426E-40DD-AFC4-6F175D3DCCD1}">
+              <a14:hiddenFill xmlns:a14="http://schemas.microsoft.com/office/drawing/2010/main">
+                <a:solidFill>
+                  <a:srgbClr val="FFFFFF"/>
+                </a:solidFill>
+              </a14:hiddenFill>
+            </a:ext>
+          </a:extLst>
+        </p:spPr>
+      </p:pic>
+      <p:pic>
+        <p:nvPicPr>
+          <p:cNvPr id="2052" name="Picture 4" descr="Resultado de imagen de Platzi"/>
+          <p:cNvPicPr>
+            <a:picLocks noChangeAspect="1" noChangeArrowheads="1"/>
+          </p:cNvPicPr>
+          <p:nvPr/>
+        </p:nvPicPr>
+        <p:blipFill>
+          <a:blip r:embed="rId3">
+            <a:extLst>
+              <a:ext uri="{28A0092B-C50C-407E-A947-70E740481C1C}">
+                <a14:useLocalDpi xmlns:a14="http://schemas.microsoft.com/office/drawing/2010/main" val="0"/>
+              </a:ext>
+            </a:extLst>
+          </a:blip>
+          <a:srcRect/>
+          <a:stretch>
+            <a:fillRect/>
+          </a:stretch>
+        </p:blipFill>
+        <p:spPr bwMode="auto">
+          <a:xfrm>
+            <a:off x="7497992" y="5212510"/>
+            <a:ext cx="2722614" cy="927206"/>
+          </a:xfrm>
+          <a:prstGeom prst="rect">
+            <a:avLst/>
+          </a:prstGeom>
+          <a:ln>
+            <a:noFill/>
+          </a:ln>
+          <a:effectLst>
+            <a:outerShdw blurRad="292100" dist="139700" dir="2700000" algn="tl" rotWithShape="0">
+              <a:srgbClr val="333333">
+                <a:alpha val="65000"/>
+              </a:srgbClr>
+            </a:outerShdw>
+          </a:effectLst>
+          <a:extLst>
+            <a:ext uri="{909E8E84-426E-40DD-AFC4-6F175D3DCCD1}">
+              <a14:hiddenFill xmlns:a14="http://schemas.microsoft.com/office/drawing/2010/main">
+                <a:solidFill>
+                  <a:srgbClr val="FFFFFF"/>
+                </a:solidFill>
+              </a14:hiddenFill>
+            </a:ext>
+          </a:extLst>
+        </p:spPr>
+      </p:pic>
     </p:spTree>
     <p:extLst>
       <p:ext uri="{BB962C8B-B14F-4D97-AF65-F5344CB8AC3E}">
@@ -9144,12 +9376,36 @@
       </p:grpSpPr>
       <p:sp>
         <p:nvSpPr>
-          <p:cNvPr id="2" name="Título 1"/>
-          <p:cNvSpPr>
-            <a:spLocks noGrp="1"/>
-          </p:cNvSpPr>
-          <p:nvPr>
-            <p:ph type="title"/>
+          <p:cNvPr id="4" name="Marcador de texto 3"/>
+          <p:cNvSpPr>
+            <a:spLocks noGrp="1"/>
+          </p:cNvSpPr>
+          <p:nvPr>
+            <p:ph type="body" idx="1"/>
+          </p:nvPr>
+        </p:nvSpPr>
+        <p:spPr/>
+        <p:txBody>
+          <a:bodyPr/>
+          <a:lstStyle/>
+          <a:p>
+            <a:pPr lvl="1"/>
+            <a:r>
+              <a:rPr lang="es-ES" b="1" u="sng" dirty="0" err="1"/>
+              <a:t>Platzi</a:t>
+            </a:r>
+            <a:endParaRPr lang="es-ES" b="1" u="sng" dirty="0"/>
+          </a:p>
+        </p:txBody>
+      </p:sp>
+      <p:sp>
+        <p:nvSpPr>
+          <p:cNvPr id="3" name="Marcador de contenido 2"/>
+          <p:cNvSpPr>
+            <a:spLocks noGrp="1"/>
+          </p:cNvSpPr>
+          <p:nvPr>
+            <p:ph sz="half" idx="2"/>
           </p:nvPr>
         </p:nvSpPr>
         <p:spPr/>
@@ -9160,47 +9416,93 @@
           <a:lstStyle/>
           <a:p>
             <a:r>
-              <a:rPr lang="es-ES" sz="3200" dirty="0"/>
-              <a:t>DOCKER</a:t>
-            </a:r>
-          </a:p>
-        </p:txBody>
-      </p:sp>
-      <p:sp>
-        <p:nvSpPr>
-          <p:cNvPr id="4" name="Marcador de texto 3"/>
-          <p:cNvSpPr>
-            <a:spLocks noGrp="1"/>
-          </p:cNvSpPr>
-          <p:nvPr>
-            <p:ph type="body" idx="1"/>
-          </p:nvPr>
-        </p:nvSpPr>
-        <p:spPr/>
+              <a:rPr lang="es-ES" sz="1600" dirty="0">
+                <a:solidFill>
+                  <a:schemeClr val="tx1"/>
+                </a:solidFill>
+              </a:rPr>
+              <a:t>Gratuito</a:t>
+            </a:r>
+          </a:p>
+          <a:p>
+            <a:endParaRPr lang="es-ES" sz="1600" dirty="0">
+              <a:solidFill>
+                <a:schemeClr val="tx1"/>
+              </a:solidFill>
+            </a:endParaRPr>
+          </a:p>
+          <a:p>
+            <a:r>
+              <a:rPr lang="es-ES" sz="1600" dirty="0">
+                <a:solidFill>
+                  <a:schemeClr val="tx1"/>
+                </a:solidFill>
+              </a:rPr>
+              <a:t>Online	</a:t>
+            </a:r>
+          </a:p>
+          <a:p>
+            <a:endParaRPr lang="es-ES" sz="1600" dirty="0">
+              <a:solidFill>
+                <a:schemeClr val="tx1"/>
+              </a:solidFill>
+            </a:endParaRPr>
+          </a:p>
+          <a:p>
+            <a:r>
+              <a:rPr lang="es-ES" sz="1600" dirty="0">
+                <a:solidFill>
+                  <a:schemeClr val="tx1"/>
+                </a:solidFill>
+              </a:rPr>
+              <a:t>Bolsa de empleo</a:t>
+            </a:r>
+          </a:p>
+        </p:txBody>
+      </p:sp>
+      <p:sp>
+        <p:nvSpPr>
+          <p:cNvPr id="5" name="Marcador de texto 4"/>
+          <p:cNvSpPr>
+            <a:spLocks noGrp="1"/>
+          </p:cNvSpPr>
+          <p:nvPr>
+            <p:ph type="body" sz="quarter" idx="3"/>
+          </p:nvPr>
+        </p:nvSpPr>
+        <p:spPr>
+          <a:xfrm>
+            <a:off x="7408307" y="1798315"/>
+            <a:ext cx="3999001" cy="576262"/>
+          </a:xfrm>
+        </p:spPr>
         <p:txBody>
           <a:bodyPr/>
           <a:lstStyle/>
           <a:p>
-            <a:pPr lvl="1"/>
-            <a:r>
-              <a:rPr lang="es-ES" b="1" u="sng" dirty="0" err="1"/>
-              <a:t>Platzi</a:t>
-            </a:r>
-            <a:endParaRPr lang="es-ES" b="1" u="sng" dirty="0"/>
-          </a:p>
-        </p:txBody>
-      </p:sp>
-      <p:sp>
-        <p:nvSpPr>
-          <p:cNvPr id="3" name="Marcador de contenido 2"/>
-          <p:cNvSpPr>
-            <a:spLocks noGrp="1"/>
-          </p:cNvSpPr>
-          <p:nvPr>
-            <p:ph sz="half" idx="2"/>
-          </p:nvPr>
-        </p:nvSpPr>
-        <p:spPr/>
+            <a:r>
+              <a:rPr lang="es-ES" b="1" u="sng" dirty="0"/>
+              <a:t>YouTube</a:t>
+            </a:r>
+          </a:p>
+        </p:txBody>
+      </p:sp>
+      <p:sp>
+        <p:nvSpPr>
+          <p:cNvPr id="6" name="Marcador de contenido 5"/>
+          <p:cNvSpPr>
+            <a:spLocks noGrp="1"/>
+          </p:cNvSpPr>
+          <p:nvPr>
+            <p:ph sz="quarter" idx="4"/>
+          </p:nvPr>
+        </p:nvSpPr>
+        <p:spPr>
+          <a:xfrm>
+            <a:off x="7166957" y="2367155"/>
+            <a:ext cx="4338674" cy="3354060"/>
+          </a:xfrm>
+        </p:spPr>
         <p:txBody>
           <a:bodyPr>
             <a:normAutofit/>
@@ -9208,116 +9510,34 @@
           <a:lstStyle/>
           <a:p>
             <a:r>
-              <a:rPr lang="es-ES" sz="1600" dirty="0">
-                <a:solidFill>
-                  <a:srgbClr val="000000"/>
-                </a:solidFill>
-              </a:rPr>
-              <a:t>Gratuito</a:t>
-            </a:r>
-          </a:p>
-          <a:p>
-            <a:endParaRPr lang="es-ES" sz="1600" dirty="0">
-              <a:solidFill>
-                <a:srgbClr val="000000"/>
-              </a:solidFill>
-            </a:endParaRPr>
-          </a:p>
-          <a:p>
-            <a:r>
-              <a:rPr lang="es-ES" sz="1600" dirty="0">
-                <a:solidFill>
-                  <a:srgbClr val="000000"/>
-                </a:solidFill>
-              </a:rPr>
-              <a:t>Online	</a:t>
-            </a:r>
-          </a:p>
-          <a:p>
-            <a:endParaRPr lang="es-ES" sz="1600" dirty="0">
-              <a:solidFill>
-                <a:srgbClr val="000000"/>
-              </a:solidFill>
-            </a:endParaRPr>
-          </a:p>
-          <a:p>
-            <a:r>
-              <a:rPr lang="es-ES" sz="1600" dirty="0">
-                <a:solidFill>
-                  <a:srgbClr val="000000"/>
-                </a:solidFill>
-              </a:rPr>
-              <a:t>Bolsa de empleo</a:t>
-            </a:r>
-          </a:p>
-        </p:txBody>
-      </p:sp>
-      <p:sp>
-        <p:nvSpPr>
-          <p:cNvPr id="5" name="Marcador de texto 4"/>
-          <p:cNvSpPr>
-            <a:spLocks noGrp="1"/>
-          </p:cNvSpPr>
-          <p:nvPr>
-            <p:ph type="body" sz="quarter" idx="3"/>
-          </p:nvPr>
-        </p:nvSpPr>
-        <p:spPr/>
-        <p:txBody>
-          <a:bodyPr/>
-          <a:lstStyle/>
-          <a:p>
-            <a:r>
-              <a:rPr lang="es-ES" b="1" u="sng" dirty="0"/>
-              <a:t>YouTube</a:t>
-            </a:r>
-          </a:p>
-        </p:txBody>
-      </p:sp>
-      <p:sp>
-        <p:nvSpPr>
-          <p:cNvPr id="6" name="Marcador de contenido 5"/>
-          <p:cNvSpPr>
-            <a:spLocks noGrp="1"/>
-          </p:cNvSpPr>
-          <p:nvPr>
-            <p:ph sz="quarter" idx="4"/>
-          </p:nvPr>
-        </p:nvSpPr>
-        <p:spPr/>
-        <p:txBody>
-          <a:bodyPr/>
-          <a:lstStyle/>
-          <a:p>
-            <a:r>
-              <a:rPr lang="es-ES" dirty="0"/>
+              <a:rPr lang="es-ES" sz="1400" dirty="0"/>
               <a:t>Decenas de cursos guiados</a:t>
             </a:r>
           </a:p>
           <a:p>
-            <a:endParaRPr lang="es-ES" dirty="0"/>
-          </a:p>
-          <a:p>
-            <a:r>
-              <a:rPr lang="es-ES" dirty="0"/>
+            <a:endParaRPr lang="es-ES" sz="1400" dirty="0"/>
+          </a:p>
+          <a:p>
+            <a:r>
+              <a:rPr lang="es-ES" sz="1400" dirty="0"/>
               <a:t>Online</a:t>
             </a:r>
           </a:p>
           <a:p>
-            <a:endParaRPr lang="es-ES" dirty="0"/>
-          </a:p>
-          <a:p>
-            <a:r>
-              <a:rPr lang="es-ES" dirty="0"/>
+            <a:endParaRPr lang="es-ES" sz="1400" dirty="0"/>
+          </a:p>
+          <a:p>
+            <a:r>
+              <a:rPr lang="es-ES" sz="1400" dirty="0"/>
               <a:t>Comunidad de desarrolladores</a:t>
             </a:r>
           </a:p>
           <a:p>
-            <a:endParaRPr lang="es-ES" dirty="0"/>
-          </a:p>
-          <a:p>
-            <a:r>
-              <a:rPr lang="es-ES" dirty="0"/>
+            <a:endParaRPr lang="es-ES" sz="1400" dirty="0"/>
+          </a:p>
+          <a:p>
+            <a:r>
+              <a:rPr lang="es-ES" sz="1400" dirty="0"/>
               <a:t>Contacto con el autor a través de comentarios</a:t>
             </a:r>
           </a:p>
@@ -9355,7 +9575,7 @@
       </p:cxnSp>
       <p:pic>
         <p:nvPicPr>
-          <p:cNvPr id="3074" name="Picture 2" descr="Resultado de imagen de DOCKER"/>
+          <p:cNvPr id="11" name="Picture 2" descr="Resultado de imagen de DOCKER"/>
           <p:cNvPicPr>
             <a:picLocks noChangeAspect="1" noChangeArrowheads="1"/>
           </p:cNvPicPr>
@@ -9376,8 +9596,99 @@
         </p:blipFill>
         <p:spPr bwMode="auto">
           <a:xfrm>
-            <a:off x="9542027" y="-52089"/>
-            <a:ext cx="1962584" cy="1751004"/>
+            <a:off x="1981019" y="-139502"/>
+            <a:ext cx="2359315" cy="2104965"/>
+          </a:xfrm>
+          <a:prstGeom prst="rect">
+            <a:avLst/>
+          </a:prstGeom>
+          <a:noFill/>
+          <a:extLst>
+            <a:ext uri="{909E8E84-426E-40DD-AFC4-6F175D3DCCD1}">
+              <a14:hiddenFill xmlns:a14="http://schemas.microsoft.com/office/drawing/2010/main">
+                <a:solidFill>
+                  <a:srgbClr val="FFFFFF"/>
+                </a:solidFill>
+              </a14:hiddenFill>
+            </a:ext>
+          </a:extLst>
+        </p:spPr>
+      </p:pic>
+      <p:pic>
+        <p:nvPicPr>
+          <p:cNvPr id="12" name="Picture 4" descr="Resultado de imagen de Platzi"/>
+          <p:cNvPicPr>
+            <a:picLocks noChangeAspect="1" noChangeArrowheads="1"/>
+          </p:cNvPicPr>
+          <p:nvPr/>
+        </p:nvPicPr>
+        <p:blipFill>
+          <a:blip r:embed="rId4">
+            <a:extLst>
+              <a:ext uri="{28A0092B-C50C-407E-A947-70E740481C1C}">
+                <a14:useLocalDpi xmlns:a14="http://schemas.microsoft.com/office/drawing/2010/main" val="0"/>
+              </a:ext>
+            </a:extLst>
+          </a:blip>
+          <a:srcRect/>
+          <a:stretch>
+            <a:fillRect/>
+          </a:stretch>
+        </p:blipFill>
+        <p:spPr bwMode="auto">
+          <a:xfrm>
+            <a:off x="2672534" y="4972592"/>
+            <a:ext cx="2722614" cy="927206"/>
+          </a:xfrm>
+          <a:prstGeom prst="rect">
+            <a:avLst/>
+          </a:prstGeom>
+          <a:ln>
+            <a:noFill/>
+          </a:ln>
+          <a:effectLst>
+            <a:outerShdw blurRad="292100" dist="139700" dir="2700000" algn="tl" rotWithShape="0">
+              <a:srgbClr val="333333">
+                <a:alpha val="65000"/>
+              </a:srgbClr>
+            </a:outerShdw>
+          </a:effectLst>
+          <a:extLst>
+            <a:ext uri="{909E8E84-426E-40DD-AFC4-6F175D3DCCD1}">
+              <a14:hiddenFill xmlns:a14="http://schemas.microsoft.com/office/drawing/2010/main">
+                <a:solidFill>
+                  <a:srgbClr val="FFFFFF"/>
+                </a:solidFill>
+              </a14:hiddenFill>
+            </a:ext>
+          </a:extLst>
+        </p:spPr>
+      </p:pic>
+      <p:pic>
+        <p:nvPicPr>
+          <p:cNvPr id="13" name="Picture 2" descr="Resultado de imagen de youtube logo"/>
+          <p:cNvPicPr>
+            <a:picLocks noChangeAspect="1" noChangeArrowheads="1"/>
+          </p:cNvPicPr>
+          <p:nvPr/>
+        </p:nvPicPr>
+        <p:blipFill>
+          <a:blip r:embed="rId5">
+            <a:extLst>
+              <a:ext uri="{28A0092B-C50C-407E-A947-70E740481C1C}">
+                <a14:useLocalDpi xmlns:a14="http://schemas.microsoft.com/office/drawing/2010/main" val="0"/>
+              </a:ext>
+            </a:extLst>
+          </a:blip>
+          <a:srcRect/>
+          <a:stretch>
+            <a:fillRect/>
+          </a:stretch>
+        </p:blipFill>
+        <p:spPr bwMode="auto">
+          <a:xfrm>
+            <a:off x="8945062" y="5203952"/>
+            <a:ext cx="2429176" cy="1511557"/>
           </a:xfrm>
           <a:prstGeom prst="rect">
             <a:avLst/>
@@ -9426,15 +9737,49 @@
       </p:grpSpPr>
       <p:sp>
         <p:nvSpPr>
-          <p:cNvPr id="2" name="Título 1"/>
-          <p:cNvSpPr>
-            <a:spLocks noGrp="1"/>
-          </p:cNvSpPr>
-          <p:nvPr>
-            <p:ph type="title"/>
-          </p:nvPr>
-        </p:nvSpPr>
-        <p:spPr/>
+          <p:cNvPr id="4" name="Marcador de texto 3"/>
+          <p:cNvSpPr>
+            <a:spLocks noGrp="1"/>
+          </p:cNvSpPr>
+          <p:nvPr>
+            <p:ph type="body" idx="1"/>
+          </p:nvPr>
+        </p:nvSpPr>
+        <p:spPr>
+          <a:xfrm>
+            <a:off x="2398516" y="1779639"/>
+            <a:ext cx="3992732" cy="576262"/>
+          </a:xfrm>
+        </p:spPr>
+        <p:txBody>
+          <a:bodyPr/>
+          <a:lstStyle/>
+          <a:p>
+            <a:pPr lvl="1"/>
+            <a:r>
+              <a:rPr lang="es-ES" b="1" u="sng" dirty="0" err="1"/>
+              <a:t>Aprendemás</a:t>
+            </a:r>
+            <a:endParaRPr lang="es-ES" b="1" u="sng" dirty="0"/>
+          </a:p>
+        </p:txBody>
+      </p:sp>
+      <p:sp>
+        <p:nvSpPr>
+          <p:cNvPr id="3" name="Marcador de contenido 2"/>
+          <p:cNvSpPr>
+            <a:spLocks noGrp="1"/>
+          </p:cNvSpPr>
+          <p:nvPr>
+            <p:ph sz="half" idx="2"/>
+          </p:nvPr>
+        </p:nvSpPr>
+        <p:spPr>
+          <a:xfrm>
+            <a:off x="1989642" y="2625682"/>
+            <a:ext cx="4342893" cy="3354060"/>
+          </a:xfrm>
+        </p:spPr>
         <p:txBody>
           <a:bodyPr>
             <a:normAutofit/>
@@ -9442,57 +9787,9 @@
           <a:lstStyle/>
           <a:p>
             <a:r>
-              <a:rPr lang="es-ES" sz="3200" dirty="0"/>
-              <a:t>DOCKER</a:t>
-            </a:r>
-          </a:p>
-        </p:txBody>
-      </p:sp>
-      <p:sp>
-        <p:nvSpPr>
-          <p:cNvPr id="4" name="Marcador de texto 3"/>
-          <p:cNvSpPr>
-            <a:spLocks noGrp="1"/>
-          </p:cNvSpPr>
-          <p:nvPr>
-            <p:ph type="body" idx="1"/>
-          </p:nvPr>
-        </p:nvSpPr>
-        <p:spPr/>
-        <p:txBody>
-          <a:bodyPr/>
-          <a:lstStyle/>
-          <a:p>
-            <a:pPr lvl="1"/>
-            <a:r>
-              <a:rPr lang="es-ES" b="1" u="sng" dirty="0" err="1"/>
-              <a:t>Aprendemás</a:t>
-            </a:r>
-            <a:endParaRPr lang="es-ES" b="1" u="sng" dirty="0"/>
-          </a:p>
-        </p:txBody>
-      </p:sp>
-      <p:sp>
-        <p:nvSpPr>
-          <p:cNvPr id="3" name="Marcador de contenido 2"/>
-          <p:cNvSpPr>
-            <a:spLocks noGrp="1"/>
-          </p:cNvSpPr>
-          <p:nvPr>
-            <p:ph sz="half" idx="2"/>
-          </p:nvPr>
-        </p:nvSpPr>
-        <p:spPr/>
-        <p:txBody>
-          <a:bodyPr>
-            <a:normAutofit/>
-          </a:bodyPr>
-          <a:lstStyle/>
-          <a:p>
-            <a:r>
               <a:rPr lang="es-ES" sz="1600" dirty="0">
                 <a:solidFill>
-                  <a:srgbClr val="000000"/>
+                  <a:schemeClr val="tx1"/>
                 </a:solidFill>
               </a:rPr>
               <a:t>Virtualización en </a:t>
@@ -9500,7 +9797,7 @@
             <a:r>
               <a:rPr lang="es-ES" sz="1600" dirty="0" err="1">
                 <a:solidFill>
-                  <a:srgbClr val="000000"/>
+                  <a:schemeClr val="tx1"/>
                 </a:solidFill>
               </a:rPr>
               <a:t>Proxmox</a:t>
@@ -9508,7 +9805,7 @@
             <a:r>
               <a:rPr lang="es-ES" sz="1600" dirty="0">
                 <a:solidFill>
-                  <a:srgbClr val="000000"/>
+                  <a:schemeClr val="tx1"/>
                 </a:solidFill>
               </a:rPr>
               <a:t> VE, KVM</a:t>
@@ -9521,7 +9818,7 @@
             <a:r>
               <a:rPr lang="es-ES" sz="1600" dirty="0">
                 <a:solidFill>
-                  <a:srgbClr val="000000"/>
+                  <a:schemeClr val="tx1"/>
                 </a:solidFill>
               </a:rPr>
               <a:t>      Y </a:t>
@@ -9529,21 +9826,21 @@
             <a:r>
               <a:rPr lang="es-ES" sz="1600" dirty="0" err="1">
                 <a:solidFill>
-                  <a:srgbClr val="000000"/>
+                  <a:schemeClr val="tx1"/>
                 </a:solidFill>
               </a:rPr>
               <a:t>OpenVZ</a:t>
             </a:r>
             <a:endParaRPr lang="es-ES" sz="1600" dirty="0">
               <a:solidFill>
-                <a:srgbClr val="000000"/>
+                <a:schemeClr val="tx1"/>
               </a:solidFill>
             </a:endParaRPr>
           </a:p>
           <a:p>
             <a:endParaRPr lang="es-ES" sz="1600" dirty="0">
               <a:solidFill>
-                <a:srgbClr val="000000"/>
+                <a:schemeClr val="tx1"/>
               </a:solidFill>
             </a:endParaRPr>
           </a:p>
@@ -9551,7 +9848,7 @@
             <a:r>
               <a:rPr lang="es-ES" sz="1600" dirty="0">
                 <a:solidFill>
-                  <a:srgbClr val="000000"/>
+                  <a:schemeClr val="tx1"/>
                 </a:solidFill>
               </a:rPr>
               <a:t>Online	</a:t>
@@ -9560,7 +9857,7 @@
           <a:p>
             <a:endParaRPr lang="es-ES" sz="1600" dirty="0">
               <a:solidFill>
-                <a:srgbClr val="000000"/>
+                <a:schemeClr val="tx1"/>
               </a:solidFill>
             </a:endParaRPr>
           </a:p>
@@ -9568,7 +9865,7 @@
             <a:r>
               <a:rPr lang="es-ES" sz="1600" dirty="0">
                 <a:solidFill>
-                  <a:srgbClr val="000000"/>
+                  <a:schemeClr val="tx1"/>
                 </a:solidFill>
               </a:rPr>
               <a:t>8 horas</a:t>
@@ -9586,7 +9883,12 @@
             <p:ph type="body" sz="quarter" idx="3"/>
           </p:nvPr>
         </p:nvSpPr>
-        <p:spPr/>
+        <p:spPr>
+          <a:xfrm>
+            <a:off x="7408307" y="1779639"/>
+            <a:ext cx="3999001" cy="576262"/>
+          </a:xfrm>
+        </p:spPr>
         <p:txBody>
           <a:bodyPr/>
           <a:lstStyle/>
@@ -9608,7 +9910,12 @@
             <p:ph sz="quarter" idx="4"/>
           </p:nvPr>
         </p:nvSpPr>
-        <p:spPr/>
+        <p:spPr>
+          <a:xfrm>
+            <a:off x="6775725" y="2480786"/>
+            <a:ext cx="4338674" cy="3354060"/>
+          </a:xfrm>
+        </p:spPr>
         <p:txBody>
           <a:bodyPr/>
           <a:lstStyle/>
@@ -9700,8 +10007,73 @@
         </p:blipFill>
         <p:spPr bwMode="auto">
           <a:xfrm>
-            <a:off x="6775725" y="317046"/>
+            <a:off x="1917281" y="292775"/>
             <a:ext cx="4113264" cy="1043664"/>
+          </a:xfrm>
+          <a:prstGeom prst="rect">
+            <a:avLst/>
+          </a:prstGeom>
+          <a:noFill/>
+          <a:extLst>
+            <a:ext uri="{909E8E84-426E-40DD-AFC4-6F175D3DCCD1}">
+              <a14:hiddenFill xmlns:a14="http://schemas.microsoft.com/office/drawing/2010/main">
+                <a:solidFill>
+                  <a:srgbClr val="FFFFFF"/>
+                </a:solidFill>
+              </a14:hiddenFill>
+            </a:ext>
+          </a:extLst>
+        </p:spPr>
+      </p:pic>
+      <p:pic>
+        <p:nvPicPr>
+          <p:cNvPr id="7" name="Imagen 6"/>
+          <p:cNvPicPr>
+            <a:picLocks noChangeAspect="1"/>
+          </p:cNvPicPr>
+          <p:nvPr/>
+        </p:nvPicPr>
+        <p:blipFill>
+          <a:blip r:embed="rId4"/>
+          <a:stretch>
+            <a:fillRect/>
+          </a:stretch>
+        </p:blipFill>
+        <p:spPr>
+          <a:xfrm>
+            <a:off x="2398516" y="5204168"/>
+            <a:ext cx="3150795" cy="695630"/>
+          </a:xfrm>
+          <a:prstGeom prst="rect">
+            <a:avLst/>
+          </a:prstGeom>
+        </p:spPr>
+      </p:pic>
+      <p:pic>
+        <p:nvPicPr>
+          <p:cNvPr id="1026" name="Picture 2" descr="Resultado de imagen de youtube logo"/>
+          <p:cNvPicPr>
+            <a:picLocks noChangeAspect="1" noChangeArrowheads="1"/>
+          </p:cNvPicPr>
+          <p:nvPr/>
+        </p:nvPicPr>
+        <p:blipFill>
+          <a:blip r:embed="rId5">
+            <a:extLst>
+              <a:ext uri="{28A0092B-C50C-407E-A947-70E740481C1C}">
+                <a14:useLocalDpi xmlns:a14="http://schemas.microsoft.com/office/drawing/2010/main" val="0"/>
+              </a:ext>
+            </a:extLst>
+          </a:blip>
+          <a:srcRect/>
+          <a:stretch>
+            <a:fillRect/>
+          </a:stretch>
+        </p:blipFill>
+        <p:spPr bwMode="auto">
+          <a:xfrm>
+            <a:off x="8945062" y="5203952"/>
+            <a:ext cx="2429176" cy="1511557"/>
           </a:xfrm>
           <a:prstGeom prst="rect">
             <a:avLst/>
@@ -9906,6 +10278,349 @@
           <a:chExt cx="0" cy="0"/>
         </a:xfrm>
       </p:grpSpPr>
+      <p:sp useBgFill="1">
+        <p:nvSpPr>
+          <p:cNvPr id="24" name="Rectangle 9"/>
+          <p:cNvSpPr>
+            <a:spLocks noGrp="1" noRot="1" noChangeAspect="1" noMove="1" noResize="1" noEditPoints="1" noAdjustHandles="1" noChangeArrowheads="1" noChangeShapeType="1" noTextEdit="1"/>
+          </p:cNvSpPr>
+          <p:nvPr>
+            <p:extLst>
+              <p:ext uri="{386F3935-93C4-4BCD-93E2-E3B085C9AB24}">
+                <p16:designElem xmlns:p16="http://schemas.microsoft.com/office/powerpoint/2015/main" val="1"/>
+              </p:ext>
+            </p:extLst>
+          </p:nvPr>
+        </p:nvSpPr>
+        <p:spPr>
+          <a:xfrm>
+            <a:off x="0" y="-786"/>
+            <a:ext cx="12192000" cy="6854038"/>
+          </a:xfrm>
+          <a:prstGeom prst="rect">
+            <a:avLst/>
+          </a:prstGeom>
+          <a:ln>
+            <a:noFill/>
+          </a:ln>
+        </p:spPr>
+        <p:style>
+          <a:lnRef idx="2">
+            <a:schemeClr val="accent1">
+              <a:shade val="50000"/>
+            </a:schemeClr>
+          </a:lnRef>
+          <a:fillRef idx="1">
+            <a:schemeClr val="accent1"/>
+          </a:fillRef>
+          <a:effectRef idx="0">
+            <a:schemeClr val="accent1"/>
+          </a:effectRef>
+          <a:fontRef idx="minor">
+            <a:schemeClr val="lt1"/>
+          </a:fontRef>
+        </p:style>
+        <p:txBody>
+          <a:bodyPr rtlCol="0" anchor="ctr"/>
+          <a:lstStyle/>
+          <a:p>
+            <a:pPr algn="ctr"/>
+            <a:endParaRPr lang="en-US"/>
+          </a:p>
+        </p:txBody>
+      </p:sp>
+      <p:sp>
+        <p:nvSpPr>
+          <p:cNvPr id="25" name="Rectangle 11"/>
+          <p:cNvSpPr>
+            <a:spLocks noGrp="1" noRot="1" noChangeAspect="1" noMove="1" noResize="1" noEditPoints="1" noAdjustHandles="1" noChangeArrowheads="1" noChangeShapeType="1" noTextEdit="1"/>
+          </p:cNvSpPr>
+          <p:nvPr>
+            <p:extLst>
+              <p:ext uri="{386F3935-93C4-4BCD-93E2-E3B085C9AB24}">
+                <p16:designElem xmlns:p16="http://schemas.microsoft.com/office/powerpoint/2015/main" val="1"/>
+              </p:ext>
+            </p:extLst>
+          </p:nvPr>
+        </p:nvSpPr>
+        <p:spPr>
+          <a:xfrm>
+            <a:off x="0" y="0"/>
+            <a:ext cx="182880" cy="6858000"/>
+          </a:xfrm>
+          <a:prstGeom prst="rect">
+            <a:avLst/>
+          </a:prstGeom>
+          <a:solidFill>
+            <a:schemeClr val="tx2"/>
+          </a:solidFill>
+          <a:ln>
+            <a:noFill/>
+          </a:ln>
+          <a:effectLst/>
+        </p:spPr>
+        <p:style>
+          <a:lnRef idx="1">
+            <a:schemeClr val="accent1"/>
+          </a:lnRef>
+          <a:fillRef idx="3">
+            <a:schemeClr val="accent1"/>
+          </a:fillRef>
+          <a:effectRef idx="2">
+            <a:schemeClr val="accent1"/>
+          </a:effectRef>
+          <a:fontRef idx="minor">
+            <a:schemeClr val="lt1"/>
+          </a:fontRef>
+        </p:style>
+      </p:sp>
+      <p:sp>
+        <p:nvSpPr>
+          <p:cNvPr id="27" name="Freeform 12"/>
+          <p:cNvSpPr>
+            <a:spLocks noGrp="1" noRot="1" noChangeAspect="1" noMove="1" noResize="1" noEditPoints="1" noAdjustHandles="1" noChangeArrowheads="1" noChangeShapeType="1" noTextEdit="1"/>
+          </p:cNvSpPr>
+          <p:nvPr>
+            <p:extLst>
+              <p:ext uri="{386F3935-93C4-4BCD-93E2-E3B085C9AB24}">
+                <p16:designElem xmlns:p16="http://schemas.microsoft.com/office/powerpoint/2015/main" val="1"/>
+              </p:ext>
+            </p:extLst>
+          </p:nvPr>
+        </p:nvSpPr>
+        <p:spPr>
+          <a:xfrm>
+            <a:off x="-1" y="6061223"/>
+            <a:ext cx="1038036" cy="506277"/>
+          </a:xfrm>
+          <a:custGeom>
+            <a:avLst/>
+            <a:gdLst>
+              <a:gd name="connsiteX0" fmla="*/ 0 w 1038036"/>
+              <a:gd name="connsiteY0" fmla="*/ 0 h 506277"/>
+              <a:gd name="connsiteX1" fmla="*/ 182880 w 1038036"/>
+              <a:gd name="connsiteY1" fmla="*/ 0 h 506277"/>
+              <a:gd name="connsiteX2" fmla="*/ 291705 w 1038036"/>
+              <a:gd name="connsiteY2" fmla="*/ 0 h 506277"/>
+              <a:gd name="connsiteX3" fmla="*/ 291705 w 1038036"/>
+              <a:gd name="connsiteY3" fmla="*/ 151 h 506277"/>
+              <a:gd name="connsiteX4" fmla="*/ 692049 w 1038036"/>
+              <a:gd name="connsiteY4" fmla="*/ 705 h 506277"/>
+              <a:gd name="connsiteX5" fmla="*/ 782744 w 1038036"/>
+              <a:gd name="connsiteY5" fmla="*/ 705 h 506277"/>
+              <a:gd name="connsiteX6" fmla="*/ 797001 w 1038036"/>
+              <a:gd name="connsiteY6" fmla="*/ 5473 h 506277"/>
+              <a:gd name="connsiteX7" fmla="*/ 801982 w 1038036"/>
+              <a:gd name="connsiteY7" fmla="*/ 10242 h 506277"/>
+              <a:gd name="connsiteX8" fmla="*/ 1030951 w 1038036"/>
+              <a:gd name="connsiteY8" fmla="*/ 239185 h 506277"/>
+              <a:gd name="connsiteX9" fmla="*/ 1030951 w 1038036"/>
+              <a:gd name="connsiteY9" fmla="*/ 267797 h 506277"/>
+              <a:gd name="connsiteX10" fmla="*/ 801982 w 1038036"/>
+              <a:gd name="connsiteY10" fmla="*/ 496740 h 506277"/>
+              <a:gd name="connsiteX11" fmla="*/ 797001 w 1038036"/>
+              <a:gd name="connsiteY11" fmla="*/ 501508 h 506277"/>
+              <a:gd name="connsiteX12" fmla="*/ 782744 w 1038036"/>
+              <a:gd name="connsiteY12" fmla="*/ 506277 h 506277"/>
+              <a:gd name="connsiteX13" fmla="*/ 692049 w 1038036"/>
+              <a:gd name="connsiteY13" fmla="*/ 506277 h 506277"/>
+              <a:gd name="connsiteX14" fmla="*/ 291705 w 1038036"/>
+              <a:gd name="connsiteY14" fmla="*/ 505140 h 506277"/>
+              <a:gd name="connsiteX15" fmla="*/ 291705 w 1038036"/>
+              <a:gd name="connsiteY15" fmla="*/ 506277 h 506277"/>
+              <a:gd name="connsiteX16" fmla="*/ 0 w 1038036"/>
+              <a:gd name="connsiteY16" fmla="*/ 506277 h 506277"/>
+            </a:gdLst>
+            <a:ahLst/>
+            <a:cxnLst>
+              <a:cxn ang="0">
+                <a:pos x="connsiteX0" y="connsiteY0"/>
+              </a:cxn>
+              <a:cxn ang="0">
+                <a:pos x="connsiteX1" y="connsiteY1"/>
+              </a:cxn>
+              <a:cxn ang="0">
+                <a:pos x="connsiteX2" y="connsiteY2"/>
+              </a:cxn>
+              <a:cxn ang="0">
+                <a:pos x="connsiteX3" y="connsiteY3"/>
+              </a:cxn>
+              <a:cxn ang="0">
+                <a:pos x="connsiteX4" y="connsiteY4"/>
+              </a:cxn>
+              <a:cxn ang="0">
+                <a:pos x="connsiteX5" y="connsiteY5"/>
+              </a:cxn>
+              <a:cxn ang="0">
+                <a:pos x="connsiteX6" y="connsiteY6"/>
+              </a:cxn>
+              <a:cxn ang="0">
+                <a:pos x="connsiteX7" y="connsiteY7"/>
+              </a:cxn>
+              <a:cxn ang="0">
+                <a:pos x="connsiteX8" y="connsiteY8"/>
+              </a:cxn>
+              <a:cxn ang="0">
+                <a:pos x="connsiteX9" y="connsiteY9"/>
+              </a:cxn>
+              <a:cxn ang="0">
+                <a:pos x="connsiteX10" y="connsiteY10"/>
+              </a:cxn>
+              <a:cxn ang="0">
+                <a:pos x="connsiteX11" y="connsiteY11"/>
+              </a:cxn>
+              <a:cxn ang="0">
+                <a:pos x="connsiteX12" y="connsiteY12"/>
+              </a:cxn>
+              <a:cxn ang="0">
+                <a:pos x="connsiteX13" y="connsiteY13"/>
+              </a:cxn>
+              <a:cxn ang="0">
+                <a:pos x="connsiteX14" y="connsiteY14"/>
+              </a:cxn>
+              <a:cxn ang="0">
+                <a:pos x="connsiteX15" y="connsiteY15"/>
+              </a:cxn>
+              <a:cxn ang="0">
+                <a:pos x="connsiteX16" y="connsiteY16"/>
+              </a:cxn>
+            </a:cxnLst>
+            <a:rect l="l" t="t" r="r" b="b"/>
+            <a:pathLst>
+              <a:path w="1038036" h="506277">
+                <a:moveTo>
+                  <a:pt x="0" y="0"/>
+                </a:moveTo>
+                <a:lnTo>
+                  <a:pt x="182880" y="0"/>
+                </a:lnTo>
+                <a:lnTo>
+                  <a:pt x="291705" y="0"/>
+                </a:lnTo>
+                <a:lnTo>
+                  <a:pt x="291705" y="151"/>
+                </a:lnTo>
+                <a:lnTo>
+                  <a:pt x="692049" y="705"/>
+                </a:lnTo>
+                <a:lnTo>
+                  <a:pt x="782744" y="705"/>
+                </a:lnTo>
+                <a:cubicBezTo>
+                  <a:pt x="787553" y="705"/>
+                  <a:pt x="792363" y="5473"/>
+                  <a:pt x="797001" y="5473"/>
+                </a:cubicBezTo>
+                <a:cubicBezTo>
+                  <a:pt x="797001" y="10242"/>
+                  <a:pt x="801982" y="10242"/>
+                  <a:pt x="801982" y="10242"/>
+                </a:cubicBezTo>
+                <a:lnTo>
+                  <a:pt x="1030951" y="239185"/>
+                </a:lnTo>
+                <a:cubicBezTo>
+                  <a:pt x="1040398" y="248722"/>
+                  <a:pt x="1040398" y="258259"/>
+                  <a:pt x="1030951" y="267797"/>
+                </a:cubicBezTo>
+                <a:lnTo>
+                  <a:pt x="801982" y="496740"/>
+                </a:lnTo>
+                <a:cubicBezTo>
+                  <a:pt x="800436" y="498363"/>
+                  <a:pt x="798547" y="499885"/>
+                  <a:pt x="797001" y="501508"/>
+                </a:cubicBezTo>
+                <a:cubicBezTo>
+                  <a:pt x="792363" y="506277"/>
+                  <a:pt x="787553" y="506277"/>
+                  <a:pt x="782744" y="506277"/>
+                </a:cubicBezTo>
+                <a:lnTo>
+                  <a:pt x="692049" y="506277"/>
+                </a:lnTo>
+                <a:lnTo>
+                  <a:pt x="291705" y="505140"/>
+                </a:lnTo>
+                <a:lnTo>
+                  <a:pt x="291705" y="506277"/>
+                </a:lnTo>
+                <a:lnTo>
+                  <a:pt x="0" y="506277"/>
+                </a:lnTo>
+                <a:close/>
+              </a:path>
+            </a:pathLst>
+          </a:custGeom>
+          <a:ln>
+            <a:noFill/>
+          </a:ln>
+        </p:spPr>
+        <p:style>
+          <a:lnRef idx="2">
+            <a:schemeClr val="accent1">
+              <a:shade val="50000"/>
+            </a:schemeClr>
+          </a:lnRef>
+          <a:fillRef idx="1">
+            <a:schemeClr val="accent1"/>
+          </a:fillRef>
+          <a:effectRef idx="0">
+            <a:schemeClr val="accent1"/>
+          </a:effectRef>
+          <a:fontRef idx="minor">
+            <a:schemeClr val="lt1"/>
+          </a:fontRef>
+        </p:style>
+        <p:txBody>
+          <a:bodyPr rtlCol="0" anchor="ctr"/>
+          <a:lstStyle/>
+          <a:p>
+            <a:pPr algn="ctr"/>
+            <a:endParaRPr lang="en-US"/>
+          </a:p>
+        </p:txBody>
+      </p:sp>
+      <p:pic>
+        <p:nvPicPr>
+          <p:cNvPr id="5" name="Picture 2" descr="Resultado de imagen de DOCKER"/>
+          <p:cNvPicPr>
+            <a:picLocks noChangeAspect="1" noChangeArrowheads="1"/>
+          </p:cNvPicPr>
+          <p:nvPr/>
+        </p:nvPicPr>
+        <p:blipFill rotWithShape="1">
+          <a:blip r:embed="rId2">
+            <a:extLst>
+              <a:ext uri="{28A0092B-C50C-407E-A947-70E740481C1C}">
+                <a14:useLocalDpi xmlns:a14="http://schemas.microsoft.com/office/drawing/2010/main" val="0"/>
+              </a:ext>
+            </a:extLst>
+          </a:blip>
+          <a:srcRect/>
+          <a:stretch/>
+        </p:blipFill>
+        <p:spPr bwMode="auto">
+          <a:xfrm>
+            <a:off x="6091916" y="836190"/>
+            <a:ext cx="5451627" cy="4865578"/>
+          </a:xfrm>
+          <a:prstGeom prst="rect">
+            <a:avLst/>
+          </a:prstGeom>
+          <a:noFill/>
+          <a:extLst>
+            <a:ext uri="{909E8E84-426E-40DD-AFC4-6F175D3DCCD1}">
+              <a14:hiddenFill xmlns:a14="http://schemas.microsoft.com/office/drawing/2010/main">
+                <a:solidFill>
+                  <a:srgbClr val="FFFFFF"/>
+                </a:solidFill>
+              </a14:hiddenFill>
+            </a:ext>
+          </a:extLst>
+        </p:spPr>
+      </p:pic>
       <p:sp>
         <p:nvSpPr>
           <p:cNvPr id="2" name="Título 1"/>
@@ -9916,7 +10631,12 @@
             <p:ph type="title"/>
           </p:nvPr>
         </p:nvSpPr>
-        <p:spPr/>
+        <p:spPr>
+          <a:xfrm>
+            <a:off x="649224" y="645106"/>
+            <a:ext cx="5122652" cy="1259894"/>
+          </a:xfrm>
+        </p:spPr>
         <p:txBody>
           <a:bodyPr>
             <a:normAutofit/>
@@ -9924,9 +10644,67 @@
           <a:lstStyle/>
           <a:p>
             <a:r>
-              <a:rPr lang="es-ES" sz="3200" dirty="0"/>
-              <a:t>RECURSOS</a:t>
-            </a:r>
+              <a:rPr lang="es-ES"/>
+              <a:t>RECURSOS GRATUITOS DOCKER</a:t>
+            </a:r>
+          </a:p>
+        </p:txBody>
+      </p:sp>
+      <p:sp>
+        <p:nvSpPr>
+          <p:cNvPr id="3" name="Marcador de contenido 2"/>
+          <p:cNvSpPr>
+            <a:spLocks noGrp="1"/>
+          </p:cNvSpPr>
+          <p:nvPr>
+            <p:ph idx="1"/>
+          </p:nvPr>
+        </p:nvSpPr>
+        <p:spPr>
+          <a:xfrm>
+            <a:off x="649225" y="2133600"/>
+            <a:ext cx="5122652" cy="3759253"/>
+          </a:xfrm>
+        </p:spPr>
+        <p:txBody>
+          <a:bodyPr>
+            <a:normAutofit/>
+          </a:bodyPr>
+          <a:lstStyle/>
+          <a:p>
+            <a:r>
+              <a:rPr lang="es-ES"/>
+              <a:t>Recursos gratuitos:</a:t>
+            </a:r>
+          </a:p>
+          <a:p>
+            <a:endParaRPr lang="es-ES"/>
+          </a:p>
+          <a:p>
+            <a:pPr marL="285750" indent="-285750">
+              <a:buFont typeface="Arial" panose="020B0604020202020204" pitchFamily="34" charset="0"/>
+              <a:buChar char="•"/>
+            </a:pPr>
+            <a:r>
+              <a:rPr lang="es-ES"/>
+              <a:t>Para sistemas operativos, puedes obtener un acceso gratuito llamado “community edition” pero no obtienes todo lo que te ofrece la aplicación.</a:t>
+            </a:r>
+          </a:p>
+          <a:p>
+            <a:pPr marL="285750" indent="-285750">
+              <a:buFont typeface="Arial" panose="020B0604020202020204" pitchFamily="34" charset="0"/>
+              <a:buChar char="•"/>
+            </a:pPr>
+            <a:r>
+              <a:rPr lang="es-ES"/>
+              <a:t>Para Amazon Web Services, puedes obtener una cuenta de 1 año gratuita pero no obtienes todo lo que te ofrece el servicio.</a:t>
+            </a:r>
+          </a:p>
+          <a:p>
+            <a:endParaRPr lang="es-ES"/>
+          </a:p>
+          <a:p>
+            <a:endParaRPr lang="es-ES" dirty="0"/>
           </a:p>
         </p:txBody>
       </p:sp>
@@ -9960,6 +10738,349 @@
           <a:chExt cx="0" cy="0"/>
         </a:xfrm>
       </p:grpSpPr>
+      <p:sp useBgFill="1">
+        <p:nvSpPr>
+          <p:cNvPr id="19" name="Rectangle 8"/>
+          <p:cNvSpPr>
+            <a:spLocks noGrp="1" noRot="1" noChangeAspect="1" noMove="1" noResize="1" noEditPoints="1" noAdjustHandles="1" noChangeArrowheads="1" noChangeShapeType="1" noTextEdit="1"/>
+          </p:cNvSpPr>
+          <p:nvPr>
+            <p:extLst>
+              <p:ext uri="{386F3935-93C4-4BCD-93E2-E3B085C9AB24}">
+                <p16:designElem xmlns:p16="http://schemas.microsoft.com/office/powerpoint/2015/main" val="1"/>
+              </p:ext>
+            </p:extLst>
+          </p:nvPr>
+        </p:nvSpPr>
+        <p:spPr>
+          <a:xfrm>
+            <a:off x="0" y="-786"/>
+            <a:ext cx="12192000" cy="6854038"/>
+          </a:xfrm>
+          <a:prstGeom prst="rect">
+            <a:avLst/>
+          </a:prstGeom>
+          <a:ln>
+            <a:noFill/>
+          </a:ln>
+        </p:spPr>
+        <p:style>
+          <a:lnRef idx="2">
+            <a:schemeClr val="accent1">
+              <a:shade val="50000"/>
+            </a:schemeClr>
+          </a:lnRef>
+          <a:fillRef idx="1">
+            <a:schemeClr val="accent1"/>
+          </a:fillRef>
+          <a:effectRef idx="0">
+            <a:schemeClr val="accent1"/>
+          </a:effectRef>
+          <a:fontRef idx="minor">
+            <a:schemeClr val="lt1"/>
+          </a:fontRef>
+        </p:style>
+        <p:txBody>
+          <a:bodyPr rtlCol="0" anchor="ctr"/>
+          <a:lstStyle/>
+          <a:p>
+            <a:pPr algn="ctr"/>
+            <a:endParaRPr lang="en-US"/>
+          </a:p>
+        </p:txBody>
+      </p:sp>
+      <p:sp>
+        <p:nvSpPr>
+          <p:cNvPr id="20" name="Rectangle 10"/>
+          <p:cNvSpPr>
+            <a:spLocks noGrp="1" noRot="1" noChangeAspect="1" noMove="1" noResize="1" noEditPoints="1" noAdjustHandles="1" noChangeArrowheads="1" noChangeShapeType="1" noTextEdit="1"/>
+          </p:cNvSpPr>
+          <p:nvPr>
+            <p:extLst>
+              <p:ext uri="{386F3935-93C4-4BCD-93E2-E3B085C9AB24}">
+                <p16:designElem xmlns:p16="http://schemas.microsoft.com/office/powerpoint/2015/main" val="1"/>
+              </p:ext>
+            </p:extLst>
+          </p:nvPr>
+        </p:nvSpPr>
+        <p:spPr>
+          <a:xfrm>
+            <a:off x="0" y="0"/>
+            <a:ext cx="182880" cy="6858000"/>
+          </a:xfrm>
+          <a:prstGeom prst="rect">
+            <a:avLst/>
+          </a:prstGeom>
+          <a:solidFill>
+            <a:schemeClr val="tx2"/>
+          </a:solidFill>
+          <a:ln>
+            <a:noFill/>
+          </a:ln>
+          <a:effectLst/>
+        </p:spPr>
+        <p:style>
+          <a:lnRef idx="1">
+            <a:schemeClr val="accent1"/>
+          </a:lnRef>
+          <a:fillRef idx="3">
+            <a:schemeClr val="accent1"/>
+          </a:fillRef>
+          <a:effectRef idx="2">
+            <a:schemeClr val="accent1"/>
+          </a:effectRef>
+          <a:fontRef idx="minor">
+            <a:schemeClr val="lt1"/>
+          </a:fontRef>
+        </p:style>
+      </p:sp>
+      <p:sp>
+        <p:nvSpPr>
+          <p:cNvPr id="21" name="Freeform 12"/>
+          <p:cNvSpPr>
+            <a:spLocks noGrp="1" noRot="1" noChangeAspect="1" noMove="1" noResize="1" noEditPoints="1" noAdjustHandles="1" noChangeArrowheads="1" noChangeShapeType="1" noTextEdit="1"/>
+          </p:cNvSpPr>
+          <p:nvPr>
+            <p:extLst>
+              <p:ext uri="{386F3935-93C4-4BCD-93E2-E3B085C9AB24}">
+                <p16:designElem xmlns:p16="http://schemas.microsoft.com/office/powerpoint/2015/main" val="1"/>
+              </p:ext>
+            </p:extLst>
+          </p:nvPr>
+        </p:nvSpPr>
+        <p:spPr>
+          <a:xfrm>
+            <a:off x="-1" y="6061223"/>
+            <a:ext cx="1038036" cy="506277"/>
+          </a:xfrm>
+          <a:custGeom>
+            <a:avLst/>
+            <a:gdLst>
+              <a:gd name="connsiteX0" fmla="*/ 0 w 1038036"/>
+              <a:gd name="connsiteY0" fmla="*/ 0 h 506277"/>
+              <a:gd name="connsiteX1" fmla="*/ 182880 w 1038036"/>
+              <a:gd name="connsiteY1" fmla="*/ 0 h 506277"/>
+              <a:gd name="connsiteX2" fmla="*/ 291705 w 1038036"/>
+              <a:gd name="connsiteY2" fmla="*/ 0 h 506277"/>
+              <a:gd name="connsiteX3" fmla="*/ 291705 w 1038036"/>
+              <a:gd name="connsiteY3" fmla="*/ 151 h 506277"/>
+              <a:gd name="connsiteX4" fmla="*/ 692049 w 1038036"/>
+              <a:gd name="connsiteY4" fmla="*/ 705 h 506277"/>
+              <a:gd name="connsiteX5" fmla="*/ 782744 w 1038036"/>
+              <a:gd name="connsiteY5" fmla="*/ 705 h 506277"/>
+              <a:gd name="connsiteX6" fmla="*/ 797001 w 1038036"/>
+              <a:gd name="connsiteY6" fmla="*/ 5473 h 506277"/>
+              <a:gd name="connsiteX7" fmla="*/ 801982 w 1038036"/>
+              <a:gd name="connsiteY7" fmla="*/ 10242 h 506277"/>
+              <a:gd name="connsiteX8" fmla="*/ 1030951 w 1038036"/>
+              <a:gd name="connsiteY8" fmla="*/ 239185 h 506277"/>
+              <a:gd name="connsiteX9" fmla="*/ 1030951 w 1038036"/>
+              <a:gd name="connsiteY9" fmla="*/ 267797 h 506277"/>
+              <a:gd name="connsiteX10" fmla="*/ 801982 w 1038036"/>
+              <a:gd name="connsiteY10" fmla="*/ 496740 h 506277"/>
+              <a:gd name="connsiteX11" fmla="*/ 797001 w 1038036"/>
+              <a:gd name="connsiteY11" fmla="*/ 501508 h 506277"/>
+              <a:gd name="connsiteX12" fmla="*/ 782744 w 1038036"/>
+              <a:gd name="connsiteY12" fmla="*/ 506277 h 506277"/>
+              <a:gd name="connsiteX13" fmla="*/ 692049 w 1038036"/>
+              <a:gd name="connsiteY13" fmla="*/ 506277 h 506277"/>
+              <a:gd name="connsiteX14" fmla="*/ 291705 w 1038036"/>
+              <a:gd name="connsiteY14" fmla="*/ 505140 h 506277"/>
+              <a:gd name="connsiteX15" fmla="*/ 291705 w 1038036"/>
+              <a:gd name="connsiteY15" fmla="*/ 506277 h 506277"/>
+              <a:gd name="connsiteX16" fmla="*/ 0 w 1038036"/>
+              <a:gd name="connsiteY16" fmla="*/ 506277 h 506277"/>
+            </a:gdLst>
+            <a:ahLst/>
+            <a:cxnLst>
+              <a:cxn ang="0">
+                <a:pos x="connsiteX0" y="connsiteY0"/>
+              </a:cxn>
+              <a:cxn ang="0">
+                <a:pos x="connsiteX1" y="connsiteY1"/>
+              </a:cxn>
+              <a:cxn ang="0">
+                <a:pos x="connsiteX2" y="connsiteY2"/>
+              </a:cxn>
+              <a:cxn ang="0">
+                <a:pos x="connsiteX3" y="connsiteY3"/>
+              </a:cxn>
+              <a:cxn ang="0">
+                <a:pos x="connsiteX4" y="connsiteY4"/>
+              </a:cxn>
+              <a:cxn ang="0">
+                <a:pos x="connsiteX5" y="connsiteY5"/>
+              </a:cxn>
+              <a:cxn ang="0">
+                <a:pos x="connsiteX6" y="connsiteY6"/>
+              </a:cxn>
+              <a:cxn ang="0">
+                <a:pos x="connsiteX7" y="connsiteY7"/>
+              </a:cxn>
+              <a:cxn ang="0">
+                <a:pos x="connsiteX8" y="connsiteY8"/>
+              </a:cxn>
+              <a:cxn ang="0">
+                <a:pos x="connsiteX9" y="connsiteY9"/>
+              </a:cxn>
+              <a:cxn ang="0">
+                <a:pos x="connsiteX10" y="connsiteY10"/>
+              </a:cxn>
+              <a:cxn ang="0">
+                <a:pos x="connsiteX11" y="connsiteY11"/>
+              </a:cxn>
+              <a:cxn ang="0">
+                <a:pos x="connsiteX12" y="connsiteY12"/>
+              </a:cxn>
+              <a:cxn ang="0">
+                <a:pos x="connsiteX13" y="connsiteY13"/>
+              </a:cxn>
+              <a:cxn ang="0">
+                <a:pos x="connsiteX14" y="connsiteY14"/>
+              </a:cxn>
+              <a:cxn ang="0">
+                <a:pos x="connsiteX15" y="connsiteY15"/>
+              </a:cxn>
+              <a:cxn ang="0">
+                <a:pos x="connsiteX16" y="connsiteY16"/>
+              </a:cxn>
+            </a:cxnLst>
+            <a:rect l="l" t="t" r="r" b="b"/>
+            <a:pathLst>
+              <a:path w="1038036" h="506277">
+                <a:moveTo>
+                  <a:pt x="0" y="0"/>
+                </a:moveTo>
+                <a:lnTo>
+                  <a:pt x="182880" y="0"/>
+                </a:lnTo>
+                <a:lnTo>
+                  <a:pt x="291705" y="0"/>
+                </a:lnTo>
+                <a:lnTo>
+                  <a:pt x="291705" y="151"/>
+                </a:lnTo>
+                <a:lnTo>
+                  <a:pt x="692049" y="705"/>
+                </a:lnTo>
+                <a:lnTo>
+                  <a:pt x="782744" y="705"/>
+                </a:lnTo>
+                <a:cubicBezTo>
+                  <a:pt x="787553" y="705"/>
+                  <a:pt x="792363" y="5473"/>
+                  <a:pt x="797001" y="5473"/>
+                </a:cubicBezTo>
+                <a:cubicBezTo>
+                  <a:pt x="797001" y="10242"/>
+                  <a:pt x="801982" y="10242"/>
+                  <a:pt x="801982" y="10242"/>
+                </a:cubicBezTo>
+                <a:lnTo>
+                  <a:pt x="1030951" y="239185"/>
+                </a:lnTo>
+                <a:cubicBezTo>
+                  <a:pt x="1040398" y="248722"/>
+                  <a:pt x="1040398" y="258259"/>
+                  <a:pt x="1030951" y="267797"/>
+                </a:cubicBezTo>
+                <a:lnTo>
+                  <a:pt x="801982" y="496740"/>
+                </a:lnTo>
+                <a:cubicBezTo>
+                  <a:pt x="800436" y="498363"/>
+                  <a:pt x="798547" y="499885"/>
+                  <a:pt x="797001" y="501508"/>
+                </a:cubicBezTo>
+                <a:cubicBezTo>
+                  <a:pt x="792363" y="506277"/>
+                  <a:pt x="787553" y="506277"/>
+                  <a:pt x="782744" y="506277"/>
+                </a:cubicBezTo>
+                <a:lnTo>
+                  <a:pt x="692049" y="506277"/>
+                </a:lnTo>
+                <a:lnTo>
+                  <a:pt x="291705" y="505140"/>
+                </a:lnTo>
+                <a:lnTo>
+                  <a:pt x="291705" y="506277"/>
+                </a:lnTo>
+                <a:lnTo>
+                  <a:pt x="0" y="506277"/>
+                </a:lnTo>
+                <a:close/>
+              </a:path>
+            </a:pathLst>
+          </a:custGeom>
+          <a:ln>
+            <a:noFill/>
+          </a:ln>
+        </p:spPr>
+        <p:style>
+          <a:lnRef idx="2">
+            <a:schemeClr val="accent1">
+              <a:shade val="50000"/>
+            </a:schemeClr>
+          </a:lnRef>
+          <a:fillRef idx="1">
+            <a:schemeClr val="accent1"/>
+          </a:fillRef>
+          <a:effectRef idx="0">
+            <a:schemeClr val="accent1"/>
+          </a:effectRef>
+          <a:fontRef idx="minor">
+            <a:schemeClr val="lt1"/>
+          </a:fontRef>
+        </p:style>
+        <p:txBody>
+          <a:bodyPr rtlCol="0" anchor="ctr"/>
+          <a:lstStyle/>
+          <a:p>
+            <a:pPr algn="ctr"/>
+            <a:endParaRPr lang="en-US"/>
+          </a:p>
+        </p:txBody>
+      </p:sp>
+      <p:pic>
+        <p:nvPicPr>
+          <p:cNvPr id="4" name="Picture 2" descr="Resultado de imagen de DOCKER"/>
+          <p:cNvPicPr>
+            <a:picLocks noChangeAspect="1" noChangeArrowheads="1"/>
+          </p:cNvPicPr>
+          <p:nvPr/>
+        </p:nvPicPr>
+        <p:blipFill rotWithShape="1">
+          <a:blip r:embed="rId2">
+            <a:extLst>
+              <a:ext uri="{28A0092B-C50C-407E-A947-70E740481C1C}">
+                <a14:useLocalDpi xmlns:a14="http://schemas.microsoft.com/office/drawing/2010/main" val="0"/>
+              </a:ext>
+            </a:extLst>
+          </a:blip>
+          <a:srcRect/>
+          <a:stretch/>
+        </p:blipFill>
+        <p:spPr bwMode="auto">
+          <a:xfrm>
+            <a:off x="6091916" y="836190"/>
+            <a:ext cx="5451627" cy="4865578"/>
+          </a:xfrm>
+          <a:prstGeom prst="rect">
+            <a:avLst/>
+          </a:prstGeom>
+          <a:noFill/>
+          <a:extLst>
+            <a:ext uri="{909E8E84-426E-40DD-AFC4-6F175D3DCCD1}">
+              <a14:hiddenFill xmlns:a14="http://schemas.microsoft.com/office/drawing/2010/main">
+                <a:solidFill>
+                  <a:srgbClr val="FFFFFF"/>
+                </a:solidFill>
+              </a14:hiddenFill>
+            </a:ext>
+          </a:extLst>
+        </p:spPr>
+      </p:pic>
       <p:sp>
         <p:nvSpPr>
           <p:cNvPr id="2" name="Título 1"/>
@@ -9970,22 +11091,157 @@
             <p:ph type="title"/>
           </p:nvPr>
         </p:nvSpPr>
-        <p:spPr/>
-        <p:txBody>
-          <a:bodyPr/>
+        <p:spPr>
+          <a:xfrm>
+            <a:off x="649224" y="645106"/>
+            <a:ext cx="5122652" cy="1259894"/>
+          </a:xfrm>
+        </p:spPr>
+        <p:txBody>
+          <a:bodyPr>
+            <a:normAutofit/>
+          </a:bodyPr>
           <a:lstStyle/>
           <a:p>
             <a:r>
-              <a:rPr lang="es-ES" dirty="0"/>
-              <a:t>CONCLUSIÓN</a:t>
-            </a:r>
+              <a:rPr lang="es-ES"/>
+              <a:t>RECURSOS NO GRATUITOS DOCKER</a:t>
+            </a:r>
+          </a:p>
+        </p:txBody>
+      </p:sp>
+      <p:sp>
+        <p:nvSpPr>
+          <p:cNvPr id="3" name="Marcador de contenido 2"/>
+          <p:cNvSpPr>
+            <a:spLocks noGrp="1"/>
+          </p:cNvSpPr>
+          <p:nvPr>
+            <p:ph idx="1"/>
+          </p:nvPr>
+        </p:nvSpPr>
+        <p:spPr>
+          <a:xfrm>
+            <a:off x="649225" y="2133600"/>
+            <a:ext cx="5122652" cy="3759253"/>
+          </a:xfrm>
+        </p:spPr>
+        <p:txBody>
+          <a:bodyPr>
+            <a:normAutofit/>
+          </a:bodyPr>
+          <a:lstStyle/>
+          <a:p>
+            <a:pPr>
+              <a:lnSpc>
+                <a:spcPct val="90000"/>
+              </a:lnSpc>
+            </a:pPr>
+            <a:r>
+              <a:rPr lang="es-ES"/>
+              <a:t>Recursos no gratuitos:</a:t>
+            </a:r>
+          </a:p>
+          <a:p>
+            <a:pPr>
+              <a:lnSpc>
+                <a:spcPct val="90000"/>
+              </a:lnSpc>
+            </a:pPr>
+            <a:endParaRPr lang="es-ES"/>
+          </a:p>
+          <a:p>
+            <a:pPr marL="285750" indent="-285750">
+              <a:lnSpc>
+                <a:spcPct val="90000"/>
+              </a:lnSpc>
+              <a:buFont typeface="Arial" panose="020B0604020202020204" pitchFamily="34" charset="0"/>
+              <a:buChar char="•"/>
+            </a:pPr>
+            <a:r>
+              <a:rPr lang="es-ES"/>
+              <a:t>Para los sistemas operativos:</a:t>
+            </a:r>
+          </a:p>
+          <a:p>
+            <a:pPr lvl="1">
+              <a:lnSpc>
+                <a:spcPct val="90000"/>
+              </a:lnSpc>
+              <a:buFont typeface="Arial" panose="020B0604020202020204" pitchFamily="34" charset="0"/>
+              <a:buChar char="•"/>
+            </a:pPr>
+            <a:r>
+              <a:rPr lang="es-ES" b="1"/>
+              <a:t>Enterprise Edition Basic: 750$ al año.</a:t>
+            </a:r>
+          </a:p>
+          <a:p>
+            <a:pPr lvl="1">
+              <a:lnSpc>
+                <a:spcPct val="90000"/>
+              </a:lnSpc>
+              <a:buFont typeface="Arial" panose="020B0604020202020204" pitchFamily="34" charset="0"/>
+              <a:buChar char="•"/>
+            </a:pPr>
+            <a:r>
+              <a:rPr lang="es-ES" b="1"/>
+              <a:t>Enterprise Edition Standard: 1500$ al año.</a:t>
+            </a:r>
+          </a:p>
+          <a:p>
+            <a:pPr lvl="1">
+              <a:lnSpc>
+                <a:spcPct val="90000"/>
+              </a:lnSpc>
+              <a:buFont typeface="Arial" panose="020B0604020202020204" pitchFamily="34" charset="0"/>
+              <a:buChar char="•"/>
+            </a:pPr>
+            <a:r>
+              <a:rPr lang="es-ES" b="1"/>
+              <a:t>Enterprise Edition Advanced: 2000$ al año.</a:t>
+            </a:r>
+          </a:p>
+          <a:p>
+            <a:pPr marL="285750" indent="-285750">
+              <a:lnSpc>
+                <a:spcPct val="90000"/>
+              </a:lnSpc>
+              <a:buFont typeface="Arial" panose="020B0604020202020204" pitchFamily="34" charset="0"/>
+              <a:buChar char="•"/>
+            </a:pPr>
+            <a:r>
+              <a:rPr lang="es-ES"/>
+              <a:t>Para Amazon Web Services necesitas tener una cuenta premium.</a:t>
+            </a:r>
+          </a:p>
+          <a:p>
+            <a:pPr marL="285750" indent="-285750">
+              <a:lnSpc>
+                <a:spcPct val="90000"/>
+              </a:lnSpc>
+              <a:buFont typeface="Arial" panose="020B0604020202020204" pitchFamily="34" charset="0"/>
+              <a:buChar char="•"/>
+            </a:pPr>
+            <a:r>
+              <a:rPr lang="es-ES"/>
+              <a:t>Para Azure necesitas tener una cuenta con derechos de administrador.</a:t>
+            </a:r>
+          </a:p>
+          <a:p>
+            <a:pPr>
+              <a:lnSpc>
+                <a:spcPct val="90000"/>
+              </a:lnSpc>
+            </a:pPr>
+            <a:endParaRPr lang="es-ES"/>
           </a:p>
         </p:txBody>
       </p:sp>
     </p:spTree>
     <p:extLst>
       <p:ext uri="{BB962C8B-B14F-4D97-AF65-F5344CB8AC3E}">
-        <p14:creationId xmlns:p14="http://schemas.microsoft.com/office/powerpoint/2010/main" val="2616250279"/>
+        <p14:creationId xmlns:p14="http://schemas.microsoft.com/office/powerpoint/2010/main" val="2087760831"/>
       </p:ext>
     </p:extLst>
   </p:cSld>
@@ -10012,6 +11268,349 @@
           <a:chExt cx="0" cy="0"/>
         </a:xfrm>
       </p:grpSpPr>
+      <p:sp useBgFill="1">
+        <p:nvSpPr>
+          <p:cNvPr id="10" name="Rectangle 8"/>
+          <p:cNvSpPr>
+            <a:spLocks noGrp="1" noRot="1" noChangeAspect="1" noMove="1" noResize="1" noEditPoints="1" noAdjustHandles="1" noChangeArrowheads="1" noChangeShapeType="1" noTextEdit="1"/>
+          </p:cNvSpPr>
+          <p:nvPr>
+            <p:extLst>
+              <p:ext uri="{386F3935-93C4-4BCD-93E2-E3B085C9AB24}">
+                <p16:designElem xmlns:p16="http://schemas.microsoft.com/office/powerpoint/2015/main" val="1"/>
+              </p:ext>
+            </p:extLst>
+          </p:nvPr>
+        </p:nvSpPr>
+        <p:spPr>
+          <a:xfrm>
+            <a:off x="0" y="-786"/>
+            <a:ext cx="12192000" cy="6854038"/>
+          </a:xfrm>
+          <a:prstGeom prst="rect">
+            <a:avLst/>
+          </a:prstGeom>
+          <a:ln>
+            <a:noFill/>
+          </a:ln>
+        </p:spPr>
+        <p:style>
+          <a:lnRef idx="2">
+            <a:schemeClr val="accent1">
+              <a:shade val="50000"/>
+            </a:schemeClr>
+          </a:lnRef>
+          <a:fillRef idx="1">
+            <a:schemeClr val="accent1"/>
+          </a:fillRef>
+          <a:effectRef idx="0">
+            <a:schemeClr val="accent1"/>
+          </a:effectRef>
+          <a:fontRef idx="minor">
+            <a:schemeClr val="lt1"/>
+          </a:fontRef>
+        </p:style>
+        <p:txBody>
+          <a:bodyPr rtlCol="0" anchor="ctr"/>
+          <a:lstStyle/>
+          <a:p>
+            <a:pPr algn="ctr"/>
+            <a:endParaRPr lang="en-US"/>
+          </a:p>
+        </p:txBody>
+      </p:sp>
+      <p:sp>
+        <p:nvSpPr>
+          <p:cNvPr id="12" name="Rectangle 10"/>
+          <p:cNvSpPr>
+            <a:spLocks noGrp="1" noRot="1" noChangeAspect="1" noMove="1" noResize="1" noEditPoints="1" noAdjustHandles="1" noChangeArrowheads="1" noChangeShapeType="1" noTextEdit="1"/>
+          </p:cNvSpPr>
+          <p:nvPr>
+            <p:extLst>
+              <p:ext uri="{386F3935-93C4-4BCD-93E2-E3B085C9AB24}">
+                <p16:designElem xmlns:p16="http://schemas.microsoft.com/office/powerpoint/2015/main" val="1"/>
+              </p:ext>
+            </p:extLst>
+          </p:nvPr>
+        </p:nvSpPr>
+        <p:spPr>
+          <a:xfrm>
+            <a:off x="0" y="0"/>
+            <a:ext cx="182880" cy="6858000"/>
+          </a:xfrm>
+          <a:prstGeom prst="rect">
+            <a:avLst/>
+          </a:prstGeom>
+          <a:solidFill>
+            <a:schemeClr val="tx2"/>
+          </a:solidFill>
+          <a:ln>
+            <a:noFill/>
+          </a:ln>
+          <a:effectLst/>
+        </p:spPr>
+        <p:style>
+          <a:lnRef idx="1">
+            <a:schemeClr val="accent1"/>
+          </a:lnRef>
+          <a:fillRef idx="3">
+            <a:schemeClr val="accent1"/>
+          </a:fillRef>
+          <a:effectRef idx="2">
+            <a:schemeClr val="accent1"/>
+          </a:effectRef>
+          <a:fontRef idx="minor">
+            <a:schemeClr val="lt1"/>
+          </a:fontRef>
+        </p:style>
+      </p:sp>
+      <p:sp>
+        <p:nvSpPr>
+          <p:cNvPr id="14" name="Freeform 12"/>
+          <p:cNvSpPr>
+            <a:spLocks noGrp="1" noRot="1" noChangeAspect="1" noMove="1" noResize="1" noEditPoints="1" noAdjustHandles="1" noChangeArrowheads="1" noChangeShapeType="1" noTextEdit="1"/>
+          </p:cNvSpPr>
+          <p:nvPr>
+            <p:extLst>
+              <p:ext uri="{386F3935-93C4-4BCD-93E2-E3B085C9AB24}">
+                <p16:designElem xmlns:p16="http://schemas.microsoft.com/office/powerpoint/2015/main" val="1"/>
+              </p:ext>
+            </p:extLst>
+          </p:nvPr>
+        </p:nvSpPr>
+        <p:spPr>
+          <a:xfrm>
+            <a:off x="-1" y="6061223"/>
+            <a:ext cx="1038036" cy="506277"/>
+          </a:xfrm>
+          <a:custGeom>
+            <a:avLst/>
+            <a:gdLst>
+              <a:gd name="connsiteX0" fmla="*/ 0 w 1038036"/>
+              <a:gd name="connsiteY0" fmla="*/ 0 h 506277"/>
+              <a:gd name="connsiteX1" fmla="*/ 182880 w 1038036"/>
+              <a:gd name="connsiteY1" fmla="*/ 0 h 506277"/>
+              <a:gd name="connsiteX2" fmla="*/ 291705 w 1038036"/>
+              <a:gd name="connsiteY2" fmla="*/ 0 h 506277"/>
+              <a:gd name="connsiteX3" fmla="*/ 291705 w 1038036"/>
+              <a:gd name="connsiteY3" fmla="*/ 151 h 506277"/>
+              <a:gd name="connsiteX4" fmla="*/ 692049 w 1038036"/>
+              <a:gd name="connsiteY4" fmla="*/ 705 h 506277"/>
+              <a:gd name="connsiteX5" fmla="*/ 782744 w 1038036"/>
+              <a:gd name="connsiteY5" fmla="*/ 705 h 506277"/>
+              <a:gd name="connsiteX6" fmla="*/ 797001 w 1038036"/>
+              <a:gd name="connsiteY6" fmla="*/ 5473 h 506277"/>
+              <a:gd name="connsiteX7" fmla="*/ 801982 w 1038036"/>
+              <a:gd name="connsiteY7" fmla="*/ 10242 h 506277"/>
+              <a:gd name="connsiteX8" fmla="*/ 1030951 w 1038036"/>
+              <a:gd name="connsiteY8" fmla="*/ 239185 h 506277"/>
+              <a:gd name="connsiteX9" fmla="*/ 1030951 w 1038036"/>
+              <a:gd name="connsiteY9" fmla="*/ 267797 h 506277"/>
+              <a:gd name="connsiteX10" fmla="*/ 801982 w 1038036"/>
+              <a:gd name="connsiteY10" fmla="*/ 496740 h 506277"/>
+              <a:gd name="connsiteX11" fmla="*/ 797001 w 1038036"/>
+              <a:gd name="connsiteY11" fmla="*/ 501508 h 506277"/>
+              <a:gd name="connsiteX12" fmla="*/ 782744 w 1038036"/>
+              <a:gd name="connsiteY12" fmla="*/ 506277 h 506277"/>
+              <a:gd name="connsiteX13" fmla="*/ 692049 w 1038036"/>
+              <a:gd name="connsiteY13" fmla="*/ 506277 h 506277"/>
+              <a:gd name="connsiteX14" fmla="*/ 291705 w 1038036"/>
+              <a:gd name="connsiteY14" fmla="*/ 505140 h 506277"/>
+              <a:gd name="connsiteX15" fmla="*/ 291705 w 1038036"/>
+              <a:gd name="connsiteY15" fmla="*/ 506277 h 506277"/>
+              <a:gd name="connsiteX16" fmla="*/ 0 w 1038036"/>
+              <a:gd name="connsiteY16" fmla="*/ 506277 h 506277"/>
+            </a:gdLst>
+            <a:ahLst/>
+            <a:cxnLst>
+              <a:cxn ang="0">
+                <a:pos x="connsiteX0" y="connsiteY0"/>
+              </a:cxn>
+              <a:cxn ang="0">
+                <a:pos x="connsiteX1" y="connsiteY1"/>
+              </a:cxn>
+              <a:cxn ang="0">
+                <a:pos x="connsiteX2" y="connsiteY2"/>
+              </a:cxn>
+              <a:cxn ang="0">
+                <a:pos x="connsiteX3" y="connsiteY3"/>
+              </a:cxn>
+              <a:cxn ang="0">
+                <a:pos x="connsiteX4" y="connsiteY4"/>
+              </a:cxn>
+              <a:cxn ang="0">
+                <a:pos x="connsiteX5" y="connsiteY5"/>
+              </a:cxn>
+              <a:cxn ang="0">
+                <a:pos x="connsiteX6" y="connsiteY6"/>
+              </a:cxn>
+              <a:cxn ang="0">
+                <a:pos x="connsiteX7" y="connsiteY7"/>
+              </a:cxn>
+              <a:cxn ang="0">
+                <a:pos x="connsiteX8" y="connsiteY8"/>
+              </a:cxn>
+              <a:cxn ang="0">
+                <a:pos x="connsiteX9" y="connsiteY9"/>
+              </a:cxn>
+              <a:cxn ang="0">
+                <a:pos x="connsiteX10" y="connsiteY10"/>
+              </a:cxn>
+              <a:cxn ang="0">
+                <a:pos x="connsiteX11" y="connsiteY11"/>
+              </a:cxn>
+              <a:cxn ang="0">
+                <a:pos x="connsiteX12" y="connsiteY12"/>
+              </a:cxn>
+              <a:cxn ang="0">
+                <a:pos x="connsiteX13" y="connsiteY13"/>
+              </a:cxn>
+              <a:cxn ang="0">
+                <a:pos x="connsiteX14" y="connsiteY14"/>
+              </a:cxn>
+              <a:cxn ang="0">
+                <a:pos x="connsiteX15" y="connsiteY15"/>
+              </a:cxn>
+              <a:cxn ang="0">
+                <a:pos x="connsiteX16" y="connsiteY16"/>
+              </a:cxn>
+            </a:cxnLst>
+            <a:rect l="l" t="t" r="r" b="b"/>
+            <a:pathLst>
+              <a:path w="1038036" h="506277">
+                <a:moveTo>
+                  <a:pt x="0" y="0"/>
+                </a:moveTo>
+                <a:lnTo>
+                  <a:pt x="182880" y="0"/>
+                </a:lnTo>
+                <a:lnTo>
+                  <a:pt x="291705" y="0"/>
+                </a:lnTo>
+                <a:lnTo>
+                  <a:pt x="291705" y="151"/>
+                </a:lnTo>
+                <a:lnTo>
+                  <a:pt x="692049" y="705"/>
+                </a:lnTo>
+                <a:lnTo>
+                  <a:pt x="782744" y="705"/>
+                </a:lnTo>
+                <a:cubicBezTo>
+                  <a:pt x="787553" y="705"/>
+                  <a:pt x="792363" y="5473"/>
+                  <a:pt x="797001" y="5473"/>
+                </a:cubicBezTo>
+                <a:cubicBezTo>
+                  <a:pt x="797001" y="10242"/>
+                  <a:pt x="801982" y="10242"/>
+                  <a:pt x="801982" y="10242"/>
+                </a:cubicBezTo>
+                <a:lnTo>
+                  <a:pt x="1030951" y="239185"/>
+                </a:lnTo>
+                <a:cubicBezTo>
+                  <a:pt x="1040398" y="248722"/>
+                  <a:pt x="1040398" y="258259"/>
+                  <a:pt x="1030951" y="267797"/>
+                </a:cubicBezTo>
+                <a:lnTo>
+                  <a:pt x="801982" y="496740"/>
+                </a:lnTo>
+                <a:cubicBezTo>
+                  <a:pt x="800436" y="498363"/>
+                  <a:pt x="798547" y="499885"/>
+                  <a:pt x="797001" y="501508"/>
+                </a:cubicBezTo>
+                <a:cubicBezTo>
+                  <a:pt x="792363" y="506277"/>
+                  <a:pt x="787553" y="506277"/>
+                  <a:pt x="782744" y="506277"/>
+                </a:cubicBezTo>
+                <a:lnTo>
+                  <a:pt x="692049" y="506277"/>
+                </a:lnTo>
+                <a:lnTo>
+                  <a:pt x="291705" y="505140"/>
+                </a:lnTo>
+                <a:lnTo>
+                  <a:pt x="291705" y="506277"/>
+                </a:lnTo>
+                <a:lnTo>
+                  <a:pt x="0" y="506277"/>
+                </a:lnTo>
+                <a:close/>
+              </a:path>
+            </a:pathLst>
+          </a:custGeom>
+          <a:ln>
+            <a:noFill/>
+          </a:ln>
+        </p:spPr>
+        <p:style>
+          <a:lnRef idx="2">
+            <a:schemeClr val="accent1">
+              <a:shade val="50000"/>
+            </a:schemeClr>
+          </a:lnRef>
+          <a:fillRef idx="1">
+            <a:schemeClr val="accent1"/>
+          </a:fillRef>
+          <a:effectRef idx="0">
+            <a:schemeClr val="accent1"/>
+          </a:effectRef>
+          <a:fontRef idx="minor">
+            <a:schemeClr val="lt1"/>
+          </a:fontRef>
+        </p:style>
+        <p:txBody>
+          <a:bodyPr rtlCol="0" anchor="ctr"/>
+          <a:lstStyle/>
+          <a:p>
+            <a:pPr algn="ctr"/>
+            <a:endParaRPr lang="en-US"/>
+          </a:p>
+        </p:txBody>
+      </p:sp>
+      <p:pic>
+        <p:nvPicPr>
+          <p:cNvPr id="4" name="Picture 2" descr="Resultado de imagen de open vz"/>
+          <p:cNvPicPr>
+            <a:picLocks noChangeAspect="1" noChangeArrowheads="1"/>
+          </p:cNvPicPr>
+          <p:nvPr/>
+        </p:nvPicPr>
+        <p:blipFill rotWithShape="1">
+          <a:blip r:embed="rId2">
+            <a:extLst>
+              <a:ext uri="{28A0092B-C50C-407E-A947-70E740481C1C}">
+                <a14:useLocalDpi xmlns:a14="http://schemas.microsoft.com/office/drawing/2010/main" val="0"/>
+              </a:ext>
+            </a:extLst>
+          </a:blip>
+          <a:srcRect/>
+          <a:stretch/>
+        </p:blipFill>
+        <p:spPr bwMode="auto">
+          <a:xfrm>
+            <a:off x="6091916" y="2580712"/>
+            <a:ext cx="5451627" cy="1376535"/>
+          </a:xfrm>
+          <a:prstGeom prst="rect">
+            <a:avLst/>
+          </a:prstGeom>
+          <a:noFill/>
+          <a:extLst>
+            <a:ext uri="{909E8E84-426E-40DD-AFC4-6F175D3DCCD1}">
+              <a14:hiddenFill xmlns:a14="http://schemas.microsoft.com/office/drawing/2010/main">
+                <a:solidFill>
+                  <a:srgbClr val="FFFFFF"/>
+                </a:solidFill>
+              </a14:hiddenFill>
+            </a:ext>
+          </a:extLst>
+        </p:spPr>
+      </p:pic>
       <p:sp>
         <p:nvSpPr>
           <p:cNvPr id="2" name="Título 1"/>
@@ -10022,7 +11621,12 @@
             <p:ph type="title"/>
           </p:nvPr>
         </p:nvSpPr>
-        <p:spPr/>
+        <p:spPr>
+          <a:xfrm>
+            <a:off x="649224" y="645106"/>
+            <a:ext cx="5122652" cy="1259894"/>
+          </a:xfrm>
+        </p:spPr>
         <p:txBody>
           <a:bodyPr>
             <a:normAutofit/>
@@ -10030,16 +11634,68 @@
           <a:lstStyle/>
           <a:p>
             <a:r>
-              <a:rPr lang="es-ES" sz="3200" dirty="0"/>
-              <a:t>CONCLUSIONES</a:t>
-            </a:r>
+              <a:rPr lang="es-ES"/>
+              <a:t>RECURSOS GRATUITOS OPENVZ</a:t>
+            </a:r>
+          </a:p>
+        </p:txBody>
+      </p:sp>
+      <p:sp>
+        <p:nvSpPr>
+          <p:cNvPr id="3" name="Marcador de contenido 2"/>
+          <p:cNvSpPr>
+            <a:spLocks noGrp="1"/>
+          </p:cNvSpPr>
+          <p:nvPr>
+            <p:ph idx="1"/>
+          </p:nvPr>
+        </p:nvSpPr>
+        <p:spPr>
+          <a:xfrm>
+            <a:off x="649225" y="2133600"/>
+            <a:ext cx="5122652" cy="3759253"/>
+          </a:xfrm>
+        </p:spPr>
+        <p:txBody>
+          <a:bodyPr>
+            <a:normAutofit/>
+          </a:bodyPr>
+          <a:lstStyle/>
+          <a:p>
+            <a:r>
+              <a:rPr lang="es-ES"/>
+              <a:t>Recursos gratuitos:</a:t>
+            </a:r>
+          </a:p>
+          <a:p>
+            <a:pPr marL="285750" indent="-285750">
+              <a:buFont typeface="Arial" panose="020B0604020202020204" pitchFamily="34" charset="0"/>
+              <a:buChar char="•"/>
+            </a:pPr>
+            <a:endParaRPr lang="es-ES"/>
+          </a:p>
+          <a:p>
+            <a:pPr marL="285750" indent="-285750">
+              <a:buFont typeface="Arial" panose="020B0604020202020204" pitchFamily="34" charset="0"/>
+              <a:buChar char="•"/>
+            </a:pPr>
+            <a:r>
+              <a:rPr lang="es-ES"/>
+              <a:t>Tan solo requiere del sistema operativo Linux. No necesitas ningún pago para utilizar esta tecnología.</a:t>
+            </a:r>
+          </a:p>
+          <a:p>
+            <a:endParaRPr lang="es-ES"/>
+          </a:p>
+          <a:p>
+            <a:endParaRPr lang="es-ES" dirty="0"/>
           </a:p>
         </p:txBody>
       </p:sp>
     </p:spTree>
     <p:extLst>
       <p:ext uri="{BB962C8B-B14F-4D97-AF65-F5344CB8AC3E}">
-        <p14:creationId xmlns:p14="http://schemas.microsoft.com/office/powerpoint/2010/main" val="2662354773"/>
+        <p14:creationId xmlns:p14="http://schemas.microsoft.com/office/powerpoint/2010/main" val="3355065794"/>
       </p:ext>
     </p:extLst>
   </p:cSld>
@@ -10156,6 +11812,629 @@
     <p:extLst>
       <p:ext uri="{BB962C8B-B14F-4D97-AF65-F5344CB8AC3E}">
         <p14:creationId xmlns:p14="http://schemas.microsoft.com/office/powerpoint/2010/main" val="1037722293"/>
+      </p:ext>
+    </p:extLst>
+  </p:cSld>
+  <p:clrMapOvr>
+    <a:masterClrMapping/>
+  </p:clrMapOvr>
+</p:sld>
+</file>
+
+<file path=ppt/slides/slide20.xml><?xml version="1.0" encoding="utf-8"?>
+<p:sld xmlns:a="http://schemas.openxmlformats.org/drawingml/2006/main" xmlns:r="http://schemas.openxmlformats.org/officeDocument/2006/relationships" xmlns:p="http://schemas.openxmlformats.org/presentationml/2006/main">
+  <p:cSld>
+    <p:spTree>
+      <p:nvGrpSpPr>
+        <p:cNvPr id="1" name=""/>
+        <p:cNvGrpSpPr/>
+        <p:nvPr/>
+      </p:nvGrpSpPr>
+      <p:grpSpPr>
+        <a:xfrm>
+          <a:off x="0" y="0"/>
+          <a:ext cx="0" cy="0"/>
+          <a:chOff x="0" y="0"/>
+          <a:chExt cx="0" cy="0"/>
+        </a:xfrm>
+      </p:grpSpPr>
+      <p:sp useBgFill="1">
+        <p:nvSpPr>
+          <p:cNvPr id="9" name="Rectangle 8"/>
+          <p:cNvSpPr>
+            <a:spLocks noGrp="1" noRot="1" noChangeAspect="1" noMove="1" noResize="1" noEditPoints="1" noAdjustHandles="1" noChangeArrowheads="1" noChangeShapeType="1" noTextEdit="1"/>
+          </p:cNvSpPr>
+          <p:nvPr>
+            <p:extLst>
+              <p:ext uri="{386F3935-93C4-4BCD-93E2-E3B085C9AB24}">
+                <p16:designElem xmlns:p16="http://schemas.microsoft.com/office/powerpoint/2015/main" val="1"/>
+              </p:ext>
+            </p:extLst>
+          </p:nvPr>
+        </p:nvSpPr>
+        <p:spPr>
+          <a:xfrm>
+            <a:off x="0" y="-786"/>
+            <a:ext cx="12192000" cy="6854038"/>
+          </a:xfrm>
+          <a:prstGeom prst="rect">
+            <a:avLst/>
+          </a:prstGeom>
+          <a:ln>
+            <a:noFill/>
+          </a:ln>
+        </p:spPr>
+        <p:style>
+          <a:lnRef idx="2">
+            <a:schemeClr val="accent1">
+              <a:shade val="50000"/>
+            </a:schemeClr>
+          </a:lnRef>
+          <a:fillRef idx="1">
+            <a:schemeClr val="accent1"/>
+          </a:fillRef>
+          <a:effectRef idx="0">
+            <a:schemeClr val="accent1"/>
+          </a:effectRef>
+          <a:fontRef idx="minor">
+            <a:schemeClr val="lt1"/>
+          </a:fontRef>
+        </p:style>
+        <p:txBody>
+          <a:bodyPr rtlCol="0" anchor="ctr"/>
+          <a:lstStyle/>
+          <a:p>
+            <a:pPr algn="ctr"/>
+            <a:endParaRPr lang="en-US"/>
+          </a:p>
+        </p:txBody>
+      </p:sp>
+      <p:sp>
+        <p:nvSpPr>
+          <p:cNvPr id="11" name="Rectangle 10"/>
+          <p:cNvSpPr>
+            <a:spLocks noGrp="1" noRot="1" noChangeAspect="1" noMove="1" noResize="1" noEditPoints="1" noAdjustHandles="1" noChangeArrowheads="1" noChangeShapeType="1" noTextEdit="1"/>
+          </p:cNvSpPr>
+          <p:nvPr>
+            <p:extLst>
+              <p:ext uri="{386F3935-93C4-4BCD-93E2-E3B085C9AB24}">
+                <p16:designElem xmlns:p16="http://schemas.microsoft.com/office/powerpoint/2015/main" val="1"/>
+              </p:ext>
+            </p:extLst>
+          </p:nvPr>
+        </p:nvSpPr>
+        <p:spPr>
+          <a:xfrm>
+            <a:off x="0" y="0"/>
+            <a:ext cx="182880" cy="6858000"/>
+          </a:xfrm>
+          <a:prstGeom prst="rect">
+            <a:avLst/>
+          </a:prstGeom>
+          <a:solidFill>
+            <a:schemeClr val="tx2"/>
+          </a:solidFill>
+          <a:ln>
+            <a:noFill/>
+          </a:ln>
+          <a:effectLst/>
+        </p:spPr>
+        <p:style>
+          <a:lnRef idx="1">
+            <a:schemeClr val="accent1"/>
+          </a:lnRef>
+          <a:fillRef idx="3">
+            <a:schemeClr val="accent1"/>
+          </a:fillRef>
+          <a:effectRef idx="2">
+            <a:schemeClr val="accent1"/>
+          </a:effectRef>
+          <a:fontRef idx="minor">
+            <a:schemeClr val="lt1"/>
+          </a:fontRef>
+        </p:style>
+      </p:sp>
+      <p:sp>
+        <p:nvSpPr>
+          <p:cNvPr id="13" name="Freeform 12"/>
+          <p:cNvSpPr>
+            <a:spLocks noGrp="1" noRot="1" noChangeAspect="1" noMove="1" noResize="1" noEditPoints="1" noAdjustHandles="1" noChangeArrowheads="1" noChangeShapeType="1" noTextEdit="1"/>
+          </p:cNvSpPr>
+          <p:nvPr>
+            <p:extLst>
+              <p:ext uri="{386F3935-93C4-4BCD-93E2-E3B085C9AB24}">
+                <p16:designElem xmlns:p16="http://schemas.microsoft.com/office/powerpoint/2015/main" val="1"/>
+              </p:ext>
+            </p:extLst>
+          </p:nvPr>
+        </p:nvSpPr>
+        <p:spPr>
+          <a:xfrm>
+            <a:off x="-1" y="6061223"/>
+            <a:ext cx="1038036" cy="506277"/>
+          </a:xfrm>
+          <a:custGeom>
+            <a:avLst/>
+            <a:gdLst>
+              <a:gd name="connsiteX0" fmla="*/ 0 w 1038036"/>
+              <a:gd name="connsiteY0" fmla="*/ 0 h 506277"/>
+              <a:gd name="connsiteX1" fmla="*/ 182880 w 1038036"/>
+              <a:gd name="connsiteY1" fmla="*/ 0 h 506277"/>
+              <a:gd name="connsiteX2" fmla="*/ 291705 w 1038036"/>
+              <a:gd name="connsiteY2" fmla="*/ 0 h 506277"/>
+              <a:gd name="connsiteX3" fmla="*/ 291705 w 1038036"/>
+              <a:gd name="connsiteY3" fmla="*/ 151 h 506277"/>
+              <a:gd name="connsiteX4" fmla="*/ 692049 w 1038036"/>
+              <a:gd name="connsiteY4" fmla="*/ 705 h 506277"/>
+              <a:gd name="connsiteX5" fmla="*/ 782744 w 1038036"/>
+              <a:gd name="connsiteY5" fmla="*/ 705 h 506277"/>
+              <a:gd name="connsiteX6" fmla="*/ 797001 w 1038036"/>
+              <a:gd name="connsiteY6" fmla="*/ 5473 h 506277"/>
+              <a:gd name="connsiteX7" fmla="*/ 801982 w 1038036"/>
+              <a:gd name="connsiteY7" fmla="*/ 10242 h 506277"/>
+              <a:gd name="connsiteX8" fmla="*/ 1030951 w 1038036"/>
+              <a:gd name="connsiteY8" fmla="*/ 239185 h 506277"/>
+              <a:gd name="connsiteX9" fmla="*/ 1030951 w 1038036"/>
+              <a:gd name="connsiteY9" fmla="*/ 267797 h 506277"/>
+              <a:gd name="connsiteX10" fmla="*/ 801982 w 1038036"/>
+              <a:gd name="connsiteY10" fmla="*/ 496740 h 506277"/>
+              <a:gd name="connsiteX11" fmla="*/ 797001 w 1038036"/>
+              <a:gd name="connsiteY11" fmla="*/ 501508 h 506277"/>
+              <a:gd name="connsiteX12" fmla="*/ 782744 w 1038036"/>
+              <a:gd name="connsiteY12" fmla="*/ 506277 h 506277"/>
+              <a:gd name="connsiteX13" fmla="*/ 692049 w 1038036"/>
+              <a:gd name="connsiteY13" fmla="*/ 506277 h 506277"/>
+              <a:gd name="connsiteX14" fmla="*/ 291705 w 1038036"/>
+              <a:gd name="connsiteY14" fmla="*/ 505140 h 506277"/>
+              <a:gd name="connsiteX15" fmla="*/ 291705 w 1038036"/>
+              <a:gd name="connsiteY15" fmla="*/ 506277 h 506277"/>
+              <a:gd name="connsiteX16" fmla="*/ 0 w 1038036"/>
+              <a:gd name="connsiteY16" fmla="*/ 506277 h 506277"/>
+            </a:gdLst>
+            <a:ahLst/>
+            <a:cxnLst>
+              <a:cxn ang="0">
+                <a:pos x="connsiteX0" y="connsiteY0"/>
+              </a:cxn>
+              <a:cxn ang="0">
+                <a:pos x="connsiteX1" y="connsiteY1"/>
+              </a:cxn>
+              <a:cxn ang="0">
+                <a:pos x="connsiteX2" y="connsiteY2"/>
+              </a:cxn>
+              <a:cxn ang="0">
+                <a:pos x="connsiteX3" y="connsiteY3"/>
+              </a:cxn>
+              <a:cxn ang="0">
+                <a:pos x="connsiteX4" y="connsiteY4"/>
+              </a:cxn>
+              <a:cxn ang="0">
+                <a:pos x="connsiteX5" y="connsiteY5"/>
+              </a:cxn>
+              <a:cxn ang="0">
+                <a:pos x="connsiteX6" y="connsiteY6"/>
+              </a:cxn>
+              <a:cxn ang="0">
+                <a:pos x="connsiteX7" y="connsiteY7"/>
+              </a:cxn>
+              <a:cxn ang="0">
+                <a:pos x="connsiteX8" y="connsiteY8"/>
+              </a:cxn>
+              <a:cxn ang="0">
+                <a:pos x="connsiteX9" y="connsiteY9"/>
+              </a:cxn>
+              <a:cxn ang="0">
+                <a:pos x="connsiteX10" y="connsiteY10"/>
+              </a:cxn>
+              <a:cxn ang="0">
+                <a:pos x="connsiteX11" y="connsiteY11"/>
+              </a:cxn>
+              <a:cxn ang="0">
+                <a:pos x="connsiteX12" y="connsiteY12"/>
+              </a:cxn>
+              <a:cxn ang="0">
+                <a:pos x="connsiteX13" y="connsiteY13"/>
+              </a:cxn>
+              <a:cxn ang="0">
+                <a:pos x="connsiteX14" y="connsiteY14"/>
+              </a:cxn>
+              <a:cxn ang="0">
+                <a:pos x="connsiteX15" y="connsiteY15"/>
+              </a:cxn>
+              <a:cxn ang="0">
+                <a:pos x="connsiteX16" y="connsiteY16"/>
+              </a:cxn>
+            </a:cxnLst>
+            <a:rect l="l" t="t" r="r" b="b"/>
+            <a:pathLst>
+              <a:path w="1038036" h="506277">
+                <a:moveTo>
+                  <a:pt x="0" y="0"/>
+                </a:moveTo>
+                <a:lnTo>
+                  <a:pt x="182880" y="0"/>
+                </a:lnTo>
+                <a:lnTo>
+                  <a:pt x="291705" y="0"/>
+                </a:lnTo>
+                <a:lnTo>
+                  <a:pt x="291705" y="151"/>
+                </a:lnTo>
+                <a:lnTo>
+                  <a:pt x="692049" y="705"/>
+                </a:lnTo>
+                <a:lnTo>
+                  <a:pt x="782744" y="705"/>
+                </a:lnTo>
+                <a:cubicBezTo>
+                  <a:pt x="787553" y="705"/>
+                  <a:pt x="792363" y="5473"/>
+                  <a:pt x="797001" y="5473"/>
+                </a:cubicBezTo>
+                <a:cubicBezTo>
+                  <a:pt x="797001" y="10242"/>
+                  <a:pt x="801982" y="10242"/>
+                  <a:pt x="801982" y="10242"/>
+                </a:cubicBezTo>
+                <a:lnTo>
+                  <a:pt x="1030951" y="239185"/>
+                </a:lnTo>
+                <a:cubicBezTo>
+                  <a:pt x="1040398" y="248722"/>
+                  <a:pt x="1040398" y="258259"/>
+                  <a:pt x="1030951" y="267797"/>
+                </a:cubicBezTo>
+                <a:lnTo>
+                  <a:pt x="801982" y="496740"/>
+                </a:lnTo>
+                <a:cubicBezTo>
+                  <a:pt x="800436" y="498363"/>
+                  <a:pt x="798547" y="499885"/>
+                  <a:pt x="797001" y="501508"/>
+                </a:cubicBezTo>
+                <a:cubicBezTo>
+                  <a:pt x="792363" y="506277"/>
+                  <a:pt x="787553" y="506277"/>
+                  <a:pt x="782744" y="506277"/>
+                </a:cubicBezTo>
+                <a:lnTo>
+                  <a:pt x="692049" y="506277"/>
+                </a:lnTo>
+                <a:lnTo>
+                  <a:pt x="291705" y="505140"/>
+                </a:lnTo>
+                <a:lnTo>
+                  <a:pt x="291705" y="506277"/>
+                </a:lnTo>
+                <a:lnTo>
+                  <a:pt x="0" y="506277"/>
+                </a:lnTo>
+                <a:close/>
+              </a:path>
+            </a:pathLst>
+          </a:custGeom>
+          <a:ln>
+            <a:noFill/>
+          </a:ln>
+        </p:spPr>
+        <p:style>
+          <a:lnRef idx="2">
+            <a:schemeClr val="accent1">
+              <a:shade val="50000"/>
+            </a:schemeClr>
+          </a:lnRef>
+          <a:fillRef idx="1">
+            <a:schemeClr val="accent1"/>
+          </a:fillRef>
+          <a:effectRef idx="0">
+            <a:schemeClr val="accent1"/>
+          </a:effectRef>
+          <a:fontRef idx="minor">
+            <a:schemeClr val="lt1"/>
+          </a:fontRef>
+        </p:style>
+        <p:txBody>
+          <a:bodyPr rtlCol="0" anchor="ctr"/>
+          <a:lstStyle/>
+          <a:p>
+            <a:pPr algn="ctr"/>
+            <a:endParaRPr lang="en-US"/>
+          </a:p>
+        </p:txBody>
+      </p:sp>
+      <p:pic>
+        <p:nvPicPr>
+          <p:cNvPr id="4" name="Picture 2" descr="Resultado de imagen de open vz"/>
+          <p:cNvPicPr>
+            <a:picLocks noChangeAspect="1" noChangeArrowheads="1"/>
+          </p:cNvPicPr>
+          <p:nvPr/>
+        </p:nvPicPr>
+        <p:blipFill rotWithShape="1">
+          <a:blip r:embed="rId2">
+            <a:extLst>
+              <a:ext uri="{28A0092B-C50C-407E-A947-70E740481C1C}">
+                <a14:useLocalDpi xmlns:a14="http://schemas.microsoft.com/office/drawing/2010/main" val="0"/>
+              </a:ext>
+            </a:extLst>
+          </a:blip>
+          <a:srcRect/>
+          <a:stretch/>
+        </p:blipFill>
+        <p:spPr bwMode="auto">
+          <a:xfrm>
+            <a:off x="6091916" y="2580712"/>
+            <a:ext cx="5451627" cy="1376535"/>
+          </a:xfrm>
+          <a:prstGeom prst="rect">
+            <a:avLst/>
+          </a:prstGeom>
+          <a:noFill/>
+          <a:extLst>
+            <a:ext uri="{909E8E84-426E-40DD-AFC4-6F175D3DCCD1}">
+              <a14:hiddenFill xmlns:a14="http://schemas.microsoft.com/office/drawing/2010/main">
+                <a:solidFill>
+                  <a:srgbClr val="FFFFFF"/>
+                </a:solidFill>
+              </a14:hiddenFill>
+            </a:ext>
+          </a:extLst>
+        </p:spPr>
+      </p:pic>
+      <p:sp>
+        <p:nvSpPr>
+          <p:cNvPr id="2" name="Título 1"/>
+          <p:cNvSpPr>
+            <a:spLocks noGrp="1"/>
+          </p:cNvSpPr>
+          <p:nvPr>
+            <p:ph type="title"/>
+          </p:nvPr>
+        </p:nvSpPr>
+        <p:spPr>
+          <a:xfrm>
+            <a:off x="649224" y="645106"/>
+            <a:ext cx="5122652" cy="1259894"/>
+          </a:xfrm>
+        </p:spPr>
+        <p:txBody>
+          <a:bodyPr>
+            <a:normAutofit/>
+          </a:bodyPr>
+          <a:lstStyle/>
+          <a:p>
+            <a:r>
+              <a:rPr lang="es-ES"/>
+              <a:t>RECURSOS NO GRATUITOS OPENVZ</a:t>
+            </a:r>
+          </a:p>
+        </p:txBody>
+      </p:sp>
+      <p:sp>
+        <p:nvSpPr>
+          <p:cNvPr id="3" name="Marcador de contenido 2"/>
+          <p:cNvSpPr>
+            <a:spLocks noGrp="1"/>
+          </p:cNvSpPr>
+          <p:nvPr>
+            <p:ph idx="1"/>
+          </p:nvPr>
+        </p:nvSpPr>
+        <p:spPr>
+          <a:xfrm>
+            <a:off x="649225" y="2133600"/>
+            <a:ext cx="5122652" cy="3759253"/>
+          </a:xfrm>
+        </p:spPr>
+        <p:txBody>
+          <a:bodyPr>
+            <a:normAutofit lnSpcReduction="10000"/>
+          </a:bodyPr>
+          <a:lstStyle/>
+          <a:p>
+            <a:pPr>
+              <a:lnSpc>
+                <a:spcPct val="90000"/>
+              </a:lnSpc>
+            </a:pPr>
+            <a:r>
+              <a:rPr lang="es-ES" sz="1700"/>
+              <a:t>Recursos no gratuitos:</a:t>
+            </a:r>
+          </a:p>
+          <a:p>
+            <a:pPr>
+              <a:lnSpc>
+                <a:spcPct val="90000"/>
+              </a:lnSpc>
+            </a:pPr>
+            <a:endParaRPr lang="es-ES" sz="1700"/>
+          </a:p>
+          <a:p>
+            <a:pPr marL="285750" indent="-285750">
+              <a:lnSpc>
+                <a:spcPct val="90000"/>
+              </a:lnSpc>
+              <a:buFont typeface="Arial" panose="020B0604020202020204" pitchFamily="34" charset="0"/>
+              <a:buChar char="•"/>
+            </a:pPr>
+            <a:r>
+              <a:rPr lang="es-ES" sz="1700"/>
+              <a:t>Existen varias tarifas, todas ellas ofrecen algo adicional a lo que ofrece esta tecnología:</a:t>
+            </a:r>
+          </a:p>
+          <a:p>
+            <a:pPr lvl="1">
+              <a:lnSpc>
+                <a:spcPct val="90000"/>
+              </a:lnSpc>
+              <a:buFont typeface="Arial" panose="020B0604020202020204" pitchFamily="34" charset="0"/>
+              <a:buChar char="•"/>
+            </a:pPr>
+            <a:r>
+              <a:rPr lang="es-ES" sz="1700"/>
+              <a:t>Para aumentar la RAM tienes 4 opciones, de 3GB a 6GB, las cuales van de 4£ a 10£ al mes, respectivamente.</a:t>
+            </a:r>
+          </a:p>
+          <a:p>
+            <a:pPr lvl="1">
+              <a:lnSpc>
+                <a:spcPct val="90000"/>
+              </a:lnSpc>
+              <a:buFont typeface="Arial" panose="020B0604020202020204" pitchFamily="34" charset="0"/>
+              <a:buChar char="•"/>
+            </a:pPr>
+            <a:r>
+              <a:rPr lang="es-ES" sz="1700"/>
+              <a:t>Para aumentar el almacenamiento tienes 4 opciones que son:</a:t>
+            </a:r>
+          </a:p>
+          <a:p>
+            <a:pPr marL="1200150" lvl="2" indent="-285750">
+              <a:lnSpc>
+                <a:spcPct val="90000"/>
+              </a:lnSpc>
+              <a:buFont typeface="Arial" panose="020B0604020202020204" pitchFamily="34" charset="0"/>
+              <a:buChar char="•"/>
+            </a:pPr>
+            <a:r>
+              <a:rPr lang="es-ES" sz="1700"/>
+              <a:t>150GB por 17.50£ al año.</a:t>
+            </a:r>
+          </a:p>
+          <a:p>
+            <a:pPr marL="1200150" lvl="2" indent="-285750">
+              <a:lnSpc>
+                <a:spcPct val="90000"/>
+              </a:lnSpc>
+              <a:buFont typeface="Arial" panose="020B0604020202020204" pitchFamily="34" charset="0"/>
+              <a:buChar char="•"/>
+            </a:pPr>
+            <a:r>
+              <a:rPr lang="es-ES" sz="1700"/>
+              <a:t>De 512GB, 1T y 2T por 3£, 6£ y 9£, respectivamente.</a:t>
+            </a:r>
+          </a:p>
+          <a:p>
+            <a:pPr>
+              <a:lnSpc>
+                <a:spcPct val="90000"/>
+              </a:lnSpc>
+            </a:pPr>
+            <a:endParaRPr lang="es-ES" sz="1700"/>
+          </a:p>
+        </p:txBody>
+      </p:sp>
+    </p:spTree>
+    <p:extLst>
+      <p:ext uri="{BB962C8B-B14F-4D97-AF65-F5344CB8AC3E}">
+        <p14:creationId xmlns:p14="http://schemas.microsoft.com/office/powerpoint/2010/main" val="1654917961"/>
+      </p:ext>
+    </p:extLst>
+  </p:cSld>
+  <p:clrMapOvr>
+    <a:masterClrMapping/>
+  </p:clrMapOvr>
+</p:sld>
+</file>
+
+<file path=ppt/slides/slide21.xml><?xml version="1.0" encoding="utf-8"?>
+<p:sld xmlns:a="http://schemas.openxmlformats.org/drawingml/2006/main" xmlns:r="http://schemas.openxmlformats.org/officeDocument/2006/relationships" xmlns:p="http://schemas.openxmlformats.org/presentationml/2006/main">
+  <p:cSld>
+    <p:spTree>
+      <p:nvGrpSpPr>
+        <p:cNvPr id="1" name=""/>
+        <p:cNvGrpSpPr/>
+        <p:nvPr/>
+      </p:nvGrpSpPr>
+      <p:grpSpPr>
+        <a:xfrm>
+          <a:off x="0" y="0"/>
+          <a:ext cx="0" cy="0"/>
+          <a:chOff x="0" y="0"/>
+          <a:chExt cx="0" cy="0"/>
+        </a:xfrm>
+      </p:grpSpPr>
+      <p:sp>
+        <p:nvSpPr>
+          <p:cNvPr id="2" name="Título 1"/>
+          <p:cNvSpPr>
+            <a:spLocks noGrp="1"/>
+          </p:cNvSpPr>
+          <p:nvPr>
+            <p:ph type="title"/>
+          </p:nvPr>
+        </p:nvSpPr>
+        <p:spPr/>
+        <p:txBody>
+          <a:bodyPr/>
+          <a:lstStyle/>
+          <a:p>
+            <a:r>
+              <a:rPr lang="es-ES" dirty="0"/>
+              <a:t>CONCLUSIÓN</a:t>
+            </a:r>
+          </a:p>
+        </p:txBody>
+      </p:sp>
+    </p:spTree>
+    <p:extLst>
+      <p:ext uri="{BB962C8B-B14F-4D97-AF65-F5344CB8AC3E}">
+        <p14:creationId xmlns:p14="http://schemas.microsoft.com/office/powerpoint/2010/main" val="2616250279"/>
+      </p:ext>
+    </p:extLst>
+  </p:cSld>
+  <p:clrMapOvr>
+    <a:masterClrMapping/>
+  </p:clrMapOvr>
+</p:sld>
+</file>
+
+<file path=ppt/slides/slide22.xml><?xml version="1.0" encoding="utf-8"?>
+<p:sld xmlns:a="http://schemas.openxmlformats.org/drawingml/2006/main" xmlns:r="http://schemas.openxmlformats.org/officeDocument/2006/relationships" xmlns:p="http://schemas.openxmlformats.org/presentationml/2006/main">
+  <p:cSld>
+    <p:spTree>
+      <p:nvGrpSpPr>
+        <p:cNvPr id="1" name=""/>
+        <p:cNvGrpSpPr/>
+        <p:nvPr/>
+      </p:nvGrpSpPr>
+      <p:grpSpPr>
+        <a:xfrm>
+          <a:off x="0" y="0"/>
+          <a:ext cx="0" cy="0"/>
+          <a:chOff x="0" y="0"/>
+          <a:chExt cx="0" cy="0"/>
+        </a:xfrm>
+      </p:grpSpPr>
+      <p:sp>
+        <p:nvSpPr>
+          <p:cNvPr id="2" name="Título 1"/>
+          <p:cNvSpPr>
+            <a:spLocks noGrp="1"/>
+          </p:cNvSpPr>
+          <p:nvPr>
+            <p:ph type="title"/>
+          </p:nvPr>
+        </p:nvSpPr>
+        <p:spPr/>
+        <p:txBody>
+          <a:bodyPr>
+            <a:normAutofit/>
+          </a:bodyPr>
+          <a:lstStyle/>
+          <a:p>
+            <a:r>
+              <a:rPr lang="es-ES" sz="3200" dirty="0"/>
+              <a:t>CONCLUSIONES</a:t>
+            </a:r>
+          </a:p>
+        </p:txBody>
+      </p:sp>
+    </p:spTree>
+    <p:extLst>
+      <p:ext uri="{BB962C8B-B14F-4D97-AF65-F5344CB8AC3E}">
+        <p14:creationId xmlns:p14="http://schemas.microsoft.com/office/powerpoint/2010/main" val="2662354773"/>
       </p:ext>
     </p:extLst>
   </p:cSld>
@@ -10480,7 +12759,12 @@
             <p:ph type="body" idx="1"/>
           </p:nvPr>
         </p:nvSpPr>
-        <p:spPr/>
+        <p:spPr>
+          <a:xfrm>
+            <a:off x="2939373" y="1582541"/>
+            <a:ext cx="3992732" cy="576262"/>
+          </a:xfrm>
+        </p:spPr>
         <p:txBody>
           <a:bodyPr/>
           <a:lstStyle/>
@@ -10502,7 +12786,12 @@
             <p:ph sz="half" idx="2"/>
           </p:nvPr>
         </p:nvSpPr>
-        <p:spPr/>
+        <p:spPr>
+          <a:xfrm>
+            <a:off x="2592924" y="2257606"/>
+            <a:ext cx="4342893" cy="3354060"/>
+          </a:xfrm>
+        </p:spPr>
         <p:txBody>
           <a:bodyPr>
             <a:normAutofit/>
@@ -10512,7 +12801,7 @@
             <a:r>
               <a:rPr lang="es-ES" sz="1600" dirty="0" err="1">
                 <a:solidFill>
-                  <a:srgbClr val="000000"/>
+                  <a:schemeClr val="tx1"/>
                 </a:solidFill>
               </a:rPr>
               <a:t>Docker</a:t>
@@ -10520,7 +12809,7 @@
             <a:r>
               <a:rPr lang="es-ES" sz="1600" dirty="0">
                 <a:solidFill>
-                  <a:srgbClr val="000000"/>
+                  <a:schemeClr val="tx1"/>
                 </a:solidFill>
               </a:rPr>
               <a:t> y </a:t>
@@ -10528,21 +12817,21 @@
             <a:r>
               <a:rPr lang="es-ES" sz="1600" dirty="0" err="1">
                 <a:solidFill>
-                  <a:srgbClr val="000000"/>
+                  <a:schemeClr val="tx1"/>
                 </a:solidFill>
               </a:rPr>
               <a:t>Kubernetes</a:t>
             </a:r>
             <a:endParaRPr lang="es-ES" sz="1600" dirty="0">
               <a:solidFill>
-                <a:srgbClr val="000000"/>
+                <a:schemeClr val="tx1"/>
               </a:solidFill>
             </a:endParaRPr>
           </a:p>
           <a:p>
             <a:endParaRPr lang="es-ES" sz="1600" dirty="0">
               <a:solidFill>
-                <a:srgbClr val="000000"/>
+                <a:schemeClr val="tx1"/>
               </a:solidFill>
             </a:endParaRPr>
           </a:p>
@@ -10550,7 +12839,7 @@
             <a:r>
               <a:rPr lang="es-ES" sz="1600" dirty="0">
                 <a:solidFill>
-                  <a:srgbClr val="000000"/>
+                  <a:schemeClr val="tx1"/>
                 </a:solidFill>
               </a:rPr>
               <a:t>1500$</a:t>
@@ -10559,7 +12848,7 @@
           <a:p>
             <a:endParaRPr lang="es-ES" sz="1600" dirty="0">
               <a:solidFill>
-                <a:srgbClr val="000000"/>
+                <a:schemeClr val="tx1"/>
               </a:solidFill>
             </a:endParaRPr>
           </a:p>
@@ -10567,7 +12856,7 @@
             <a:r>
               <a:rPr lang="es-ES" sz="1600" dirty="0">
                 <a:solidFill>
-                  <a:srgbClr val="000000"/>
+                  <a:schemeClr val="tx1"/>
                 </a:solidFill>
               </a:rPr>
               <a:t>Presencial, oficina, online</a:t>
@@ -10585,7 +12874,12 @@
             <p:ph type="body" sz="quarter" idx="3"/>
           </p:nvPr>
         </p:nvSpPr>
-        <p:spPr/>
+        <p:spPr>
+          <a:xfrm>
+            <a:off x="7278554" y="1616869"/>
+            <a:ext cx="3999001" cy="576262"/>
+          </a:xfrm>
+        </p:spPr>
         <p:txBody>
           <a:bodyPr/>
           <a:lstStyle/>
@@ -10612,7 +12906,12 @@
             <p:ph sz="quarter" idx="4"/>
           </p:nvPr>
         </p:nvSpPr>
-        <p:spPr/>
+        <p:spPr>
+          <a:xfrm>
+            <a:off x="7165937" y="2272960"/>
+            <a:ext cx="4338674" cy="3354060"/>
+          </a:xfrm>
+        </p:spPr>
         <p:txBody>
           <a:bodyPr/>
           <a:lstStyle/>
@@ -10620,7 +12919,7 @@
             <a:r>
               <a:rPr lang="es-ES" dirty="0">
                 <a:solidFill>
-                  <a:srgbClr val="000000"/>
+                  <a:schemeClr val="tx1"/>
                 </a:solidFill>
               </a:rPr>
               <a:t>4 horas</a:t>
@@ -10629,7 +12928,7 @@
           <a:p>
             <a:endParaRPr lang="es-ES" dirty="0">
               <a:solidFill>
-                <a:srgbClr val="000000"/>
+                <a:schemeClr val="tx1"/>
               </a:solidFill>
             </a:endParaRPr>
           </a:p>
@@ -10637,7 +12936,7 @@
             <a:r>
               <a:rPr lang="es-ES" dirty="0">
                 <a:solidFill>
-                  <a:srgbClr val="000000"/>
+                  <a:schemeClr val="tx1"/>
                 </a:solidFill>
               </a:rPr>
               <a:t>Certificación oficial Red </a:t>
@@ -10645,7 +12944,7 @@
             <a:r>
               <a:rPr lang="es-ES" dirty="0" err="1">
                 <a:solidFill>
-                  <a:srgbClr val="000000"/>
+                  <a:schemeClr val="tx1"/>
                 </a:solidFill>
               </a:rPr>
               <a:t>Hat</a:t>
@@ -10653,7 +12952,7 @@
             <a:r>
               <a:rPr lang="es-ES" dirty="0">
                 <a:solidFill>
-                  <a:srgbClr val="000000"/>
+                  <a:schemeClr val="tx1"/>
                 </a:solidFill>
               </a:rPr>
               <a:t> </a:t>
@@ -10661,7 +12960,7 @@
             <a:r>
               <a:rPr lang="es-ES" dirty="0" err="1">
                 <a:solidFill>
-                  <a:srgbClr val="000000"/>
+                  <a:schemeClr val="tx1"/>
                 </a:solidFill>
               </a:rPr>
               <a:t>Container</a:t>
@@ -10669,7 +12968,7 @@
             <a:r>
               <a:rPr lang="es-ES" dirty="0">
                 <a:solidFill>
-                  <a:srgbClr val="000000"/>
+                  <a:schemeClr val="tx1"/>
                 </a:solidFill>
               </a:rPr>
               <a:t> </a:t>
@@ -10677,21 +12976,21 @@
             <a:r>
               <a:rPr lang="es-ES" dirty="0" err="1">
                 <a:solidFill>
-                  <a:srgbClr val="000000"/>
+                  <a:schemeClr val="tx1"/>
                 </a:solidFill>
               </a:rPr>
               <a:t>Certification</a:t>
             </a:r>
             <a:endParaRPr lang="es-ES" dirty="0">
               <a:solidFill>
-                <a:srgbClr val="000000"/>
+                <a:schemeClr val="tx1"/>
               </a:solidFill>
             </a:endParaRPr>
           </a:p>
           <a:p>
             <a:endParaRPr lang="es-ES" dirty="0">
               <a:solidFill>
-                <a:srgbClr val="000000"/>
+                <a:schemeClr val="tx1"/>
               </a:solidFill>
             </a:endParaRPr>
           </a:p>
@@ -10699,7 +12998,7 @@
             <a:r>
               <a:rPr lang="es-ES" dirty="0">
                 <a:solidFill>
-                  <a:srgbClr val="000000"/>
+                  <a:schemeClr val="tx1"/>
                 </a:solidFill>
               </a:rPr>
               <a:t>49€</a:t>
@@ -10708,7 +13007,7 @@
           <a:p>
             <a:endParaRPr lang="es-ES" dirty="0">
               <a:solidFill>
-                <a:srgbClr val="000000"/>
+                <a:schemeClr val="tx1"/>
               </a:solidFill>
             </a:endParaRPr>
           </a:p>
@@ -10716,7 +13015,7 @@
             <a:r>
               <a:rPr lang="es-ES" dirty="0">
                 <a:solidFill>
-                  <a:srgbClr val="000000"/>
+                  <a:schemeClr val="tx1"/>
                 </a:solidFill>
               </a:rPr>
               <a:t>Online</a:t>
@@ -10727,9 +13026,39 @@
           </a:p>
         </p:txBody>
       </p:sp>
+      <p:cxnSp>
+        <p:nvCxnSpPr>
+          <p:cNvPr id="9" name="Conector recto 8"/>
+          <p:cNvCxnSpPr/>
+          <p:nvPr/>
+        </p:nvCxnSpPr>
+        <p:spPr>
+          <a:xfrm>
+            <a:off x="6449961" y="1779639"/>
+            <a:ext cx="0" cy="4630993"/>
+          </a:xfrm>
+          <a:prstGeom prst="line">
+            <a:avLst/>
+          </a:prstGeom>
+        </p:spPr>
+        <p:style>
+          <a:lnRef idx="1">
+            <a:schemeClr val="accent1"/>
+          </a:lnRef>
+          <a:fillRef idx="0">
+            <a:schemeClr val="accent1"/>
+          </a:fillRef>
+          <a:effectRef idx="0">
+            <a:schemeClr val="accent1"/>
+          </a:effectRef>
+          <a:fontRef idx="minor">
+            <a:schemeClr val="tx1"/>
+          </a:fontRef>
+        </p:style>
+      </p:cxnSp>
       <p:pic>
         <p:nvPicPr>
-          <p:cNvPr id="7" name="Picture 4" descr="Resultado de imagen de RED HAT"/>
+          <p:cNvPr id="10" name="Picture 4" descr="Resultado de imagen de RED HAT"/>
           <p:cNvPicPr>
             <a:picLocks noChangeAspect="1" noChangeArrowheads="1"/>
           </p:cNvPicPr>
@@ -10750,8 +13079,8 @@
         </p:blipFill>
         <p:spPr bwMode="auto">
           <a:xfrm>
-            <a:off x="2939373" y="4514575"/>
-            <a:ext cx="2224891" cy="2224891"/>
+            <a:off x="3095121" y="4345857"/>
+            <a:ext cx="1813505" cy="1813505"/>
           </a:xfrm>
           <a:prstGeom prst="rect">
             <a:avLst/>
@@ -10768,36 +13097,56 @@
           </a:extLst>
         </p:spPr>
       </p:pic>
-      <p:cxnSp>
-        <p:nvCxnSpPr>
-          <p:cNvPr id="9" name="Conector recto 8"/>
-          <p:cNvCxnSpPr/>
+      <p:pic>
+        <p:nvPicPr>
+          <p:cNvPr id="3074" name="Picture 2" descr="Resultado de imagen de JMG Virtual Consulting"/>
+          <p:cNvPicPr>
+            <a:picLocks noChangeAspect="1" noChangeArrowheads="1"/>
+          </p:cNvPicPr>
           <p:nvPr/>
-        </p:nvCxnSpPr>
-        <p:spPr>
+        </p:nvPicPr>
+        <p:blipFill>
+          <a:blip r:embed="rId3">
+            <a:extLst>
+              <a:ext uri="{28A0092B-C50C-407E-A947-70E740481C1C}">
+                <a14:useLocalDpi xmlns:a14="http://schemas.microsoft.com/office/drawing/2010/main" val="0"/>
+              </a:ext>
+            </a:extLst>
+          </a:blip>
+          <a:srcRect/>
+          <a:stretch>
+            <a:fillRect/>
+          </a:stretch>
+        </p:blipFill>
+        <p:spPr bwMode="auto">
           <a:xfrm>
-            <a:off x="6449961" y="1779639"/>
-            <a:ext cx="0" cy="4630993"/>
-          </a:xfrm>
-          <a:prstGeom prst="line">
+            <a:off x="9049346" y="4514575"/>
+            <a:ext cx="2455265" cy="1403008"/>
+          </a:xfrm>
+          <a:prstGeom prst="rect">
             <a:avLst/>
           </a:prstGeom>
+          <a:ln>
+            <a:noFill/>
+          </a:ln>
+          <a:effectLst>
+            <a:outerShdw blurRad="292100" dist="139700" dir="2700000" algn="tl" rotWithShape="0">
+              <a:srgbClr val="333333">
+                <a:alpha val="65000"/>
+              </a:srgbClr>
+            </a:outerShdw>
+          </a:effectLst>
+          <a:extLst>
+            <a:ext uri="{909E8E84-426E-40DD-AFC4-6F175D3DCCD1}">
+              <a14:hiddenFill xmlns:a14="http://schemas.microsoft.com/office/drawing/2010/main">
+                <a:solidFill>
+                  <a:srgbClr val="FFFFFF"/>
+                </a:solidFill>
+              </a14:hiddenFill>
+            </a:ext>
+          </a:extLst>
         </p:spPr>
-        <p:style>
-          <a:lnRef idx="1">
-            <a:schemeClr val="accent1"/>
-          </a:lnRef>
-          <a:fillRef idx="0">
-            <a:schemeClr val="accent1"/>
-          </a:fillRef>
-          <a:effectRef idx="0">
-            <a:schemeClr val="accent1"/>
-          </a:effectRef>
-          <a:fontRef idx="minor">
-            <a:schemeClr val="tx1"/>
-          </a:fontRef>
-        </p:style>
-      </p:cxnSp>
+      </p:pic>
     </p:spTree>
     <p:extLst>
       <p:ext uri="{BB962C8B-B14F-4D97-AF65-F5344CB8AC3E}">
@@ -10830,12 +13179,35 @@
       </p:grpSpPr>
       <p:sp>
         <p:nvSpPr>
-          <p:cNvPr id="2" name="Título 1"/>
-          <p:cNvSpPr>
-            <a:spLocks noGrp="1"/>
-          </p:cNvSpPr>
-          <p:nvPr>
-            <p:ph type="title"/>
+          <p:cNvPr id="4" name="Marcador de texto 3"/>
+          <p:cNvSpPr>
+            <a:spLocks noGrp="1"/>
+          </p:cNvSpPr>
+          <p:nvPr>
+            <p:ph type="body" idx="1"/>
+          </p:nvPr>
+        </p:nvSpPr>
+        <p:spPr/>
+        <p:txBody>
+          <a:bodyPr/>
+          <a:lstStyle/>
+          <a:p>
+            <a:r>
+              <a:rPr lang="es-ES" b="1" u="sng" dirty="0" err="1"/>
+              <a:t>OpenWebinars</a:t>
+            </a:r>
+            <a:endParaRPr lang="es-ES" b="1" u="sng" dirty="0"/>
+          </a:p>
+        </p:txBody>
+      </p:sp>
+      <p:sp>
+        <p:nvSpPr>
+          <p:cNvPr id="3" name="Marcador de contenido 2"/>
+          <p:cNvSpPr>
+            <a:spLocks noGrp="1"/>
+          </p:cNvSpPr>
+          <p:nvPr>
+            <p:ph sz="half" idx="2"/>
           </p:nvPr>
         </p:nvSpPr>
         <p:spPr/>
@@ -10846,56 +13218,9 @@
           <a:lstStyle/>
           <a:p>
             <a:r>
-              <a:rPr lang="es-ES" sz="3200" dirty="0"/>
-              <a:t>DOCKER</a:t>
-            </a:r>
-          </a:p>
-        </p:txBody>
-      </p:sp>
-      <p:sp>
-        <p:nvSpPr>
-          <p:cNvPr id="4" name="Marcador de texto 3"/>
-          <p:cNvSpPr>
-            <a:spLocks noGrp="1"/>
-          </p:cNvSpPr>
-          <p:nvPr>
-            <p:ph type="body" idx="1"/>
-          </p:nvPr>
-        </p:nvSpPr>
-        <p:spPr/>
-        <p:txBody>
-          <a:bodyPr/>
-          <a:lstStyle/>
-          <a:p>
-            <a:r>
-              <a:rPr lang="es-ES" b="1" u="sng" dirty="0" err="1"/>
-              <a:t>OpenWebinars</a:t>
-            </a:r>
-            <a:endParaRPr lang="es-ES" b="1" u="sng" dirty="0"/>
-          </a:p>
-        </p:txBody>
-      </p:sp>
-      <p:sp>
-        <p:nvSpPr>
-          <p:cNvPr id="3" name="Marcador de contenido 2"/>
-          <p:cNvSpPr>
-            <a:spLocks noGrp="1"/>
-          </p:cNvSpPr>
-          <p:nvPr>
-            <p:ph sz="half" idx="2"/>
-          </p:nvPr>
-        </p:nvSpPr>
-        <p:spPr/>
-        <p:txBody>
-          <a:bodyPr>
-            <a:normAutofit/>
-          </a:bodyPr>
-          <a:lstStyle/>
-          <a:p>
-            <a:r>
               <a:rPr lang="es-ES" sz="1600" dirty="0">
                 <a:solidFill>
-                  <a:srgbClr val="000000"/>
+                  <a:schemeClr val="tx1"/>
                 </a:solidFill>
               </a:rPr>
               <a:t>Reuniones online</a:t>
@@ -10904,7 +13229,7 @@
           <a:p>
             <a:endParaRPr lang="es-ES" sz="1600" dirty="0">
               <a:solidFill>
-                <a:srgbClr val="000000"/>
+                <a:schemeClr val="tx1"/>
               </a:solidFill>
             </a:endParaRPr>
           </a:p>
@@ -10912,7 +13237,7 @@
             <a:r>
               <a:rPr lang="es-ES" sz="1600" dirty="0">
                 <a:solidFill>
-                  <a:srgbClr val="000000"/>
+                  <a:schemeClr val="tx1"/>
                 </a:solidFill>
               </a:rPr>
               <a:t>Colaboración de telefónica</a:t>
@@ -10925,7 +13250,7 @@
             <a:r>
               <a:rPr lang="es-ES" sz="1600" dirty="0">
                 <a:solidFill>
-                  <a:srgbClr val="000000"/>
+                  <a:schemeClr val="tx1"/>
                 </a:solidFill>
               </a:rPr>
               <a:t>      y la junta de Andalucía	</a:t>
@@ -10934,7 +13259,7 @@
           <a:p>
             <a:endParaRPr lang="es-ES" sz="1600" dirty="0">
               <a:solidFill>
-                <a:srgbClr val="000000"/>
+                <a:schemeClr val="tx1"/>
               </a:solidFill>
             </a:endParaRPr>
           </a:p>
@@ -10942,7 +13267,7 @@
             <a:r>
               <a:rPr lang="es-ES" sz="1600" dirty="0">
                 <a:solidFill>
-                  <a:srgbClr val="000000"/>
+                  <a:schemeClr val="tx1"/>
                 </a:solidFill>
               </a:rPr>
               <a:t>150€</a:t>
@@ -11074,8 +13399,8 @@
         </p:blipFill>
         <p:spPr bwMode="auto">
           <a:xfrm>
-            <a:off x="9542027" y="-52089"/>
-            <a:ext cx="1962584" cy="1751004"/>
+            <a:off x="1981019" y="-139502"/>
+            <a:ext cx="2359315" cy="2104965"/>
           </a:xfrm>
           <a:prstGeom prst="rect">
             <a:avLst/>
@@ -11116,34 +13441,34 @@
         <a:sysClr val="window" lastClr="FFFFFF"/>
       </a:lt1>
       <a:dk2>
-        <a:srgbClr val="2E5369"/>
+        <a:srgbClr val="766F54"/>
       </a:dk2>
       <a:lt2>
-        <a:srgbClr val="CFE2E7"/>
+        <a:srgbClr val="E3EACF"/>
       </a:lt2>
       <a:accent1>
-        <a:srgbClr val="353535"/>
+        <a:srgbClr val="A53010"/>
       </a:accent1>
       <a:accent2>
-        <a:srgbClr val="31B4E6"/>
+        <a:srgbClr val="DE7E18"/>
       </a:accent2>
       <a:accent3>
-        <a:srgbClr val="265991"/>
+        <a:srgbClr val="9F8351"/>
       </a:accent3>
       <a:accent4>
-        <a:srgbClr val="7E40CC"/>
+        <a:srgbClr val="728653"/>
       </a:accent4>
       <a:accent5>
-        <a:srgbClr val="B927E9"/>
+        <a:srgbClr val="92AA4C"/>
       </a:accent5>
       <a:accent6>
-        <a:srgbClr val="E833BF"/>
+        <a:srgbClr val="6AAC91"/>
       </a:accent6>
       <a:hlink>
-        <a:srgbClr val="2DA0F1"/>
+        <a:srgbClr val="FB4A18"/>
       </a:hlink>
       <a:folHlink>
-        <a:srgbClr val="7ED1E6"/>
+        <a:srgbClr val="FB9318"/>
       </a:folHlink>
     </a:clrScheme>
     <a:fontScheme name="Espiral">
@@ -11342,7 +13667,7 @@
   <a:extraClrSchemeLst/>
   <a:extLst>
     <a:ext uri="{05A4C25C-085E-4340-85A3-A5531E510DB2}">
-      <thm15:themeFamily xmlns:thm15="http://schemas.microsoft.com/office/thememl/2012/main" name="Wisp" id="{7CB32D59-10C0-40DD-B7BD-2E94284A981C}" vid="{4F34B87B-9C7A-41AE-A6CB-48536223DFFD}"/>
+      <thm15:themeFamily xmlns:thm15="http://schemas.microsoft.com/office/thememl/2012/main" name="Wisp" id="{7CB32D59-10C0-40DD-B7BD-2E94284A981C}" vid="{24B1A44C-C006-48B2-A4D7-E5549B3D8CD4}"/>
     </a:ext>
   </a:extLst>
 </a:theme>
